--- a/Rapport/Présentation intermédiaire.pptx
+++ b/Rapport/Présentation intermédiaire.pptx
@@ -5,7 +5,7 @@
     <p:sldMasterId id="2147483648" r:id="rId4"/>
   </p:sldMasterIdLst>
   <p:notesMasterIdLst>
-    <p:notesMasterId r:id="rId21"/>
+    <p:notesMasterId r:id="rId20"/>
   </p:notesMasterIdLst>
   <p:sldIdLst>
     <p:sldId id="256" r:id="rId5"/>
@@ -18,12 +18,11 @@
     <p:sldId id="266" r:id="rId12"/>
     <p:sldId id="267" r:id="rId13"/>
     <p:sldId id="268" r:id="rId14"/>
-    <p:sldId id="273" r:id="rId15"/>
-    <p:sldId id="261" r:id="rId16"/>
-    <p:sldId id="262" r:id="rId17"/>
-    <p:sldId id="263" r:id="rId18"/>
-    <p:sldId id="270" r:id="rId19"/>
-    <p:sldId id="269" r:id="rId20"/>
+    <p:sldId id="261" r:id="rId15"/>
+    <p:sldId id="262" r:id="rId16"/>
+    <p:sldId id="263" r:id="rId17"/>
+    <p:sldId id="270" r:id="rId18"/>
+    <p:sldId id="269" r:id="rId19"/>
   </p:sldIdLst>
   <p:sldSz cx="12192000" cy="6858000"/>
   <p:notesSz cx="6858000" cy="9144000"/>
@@ -9618,7 +9617,12 @@
             <p:ph idx="1"/>
           </p:nvPr>
         </p:nvSpPr>
-        <p:spPr/>
+        <p:spPr>
+          <a:xfrm>
+            <a:off x="1295401" y="2556932"/>
+            <a:ext cx="9601196" cy="3318936"/>
+          </a:xfrm>
+        </p:spPr>
         <p:txBody>
           <a:bodyPr/>
           <a:lstStyle/>
@@ -9680,7 +9684,7 @@
           <a:p>
             <a:fld id="{F6FD978A-68A1-4675-896C-1E13039695D7}" type="datetime1">
               <a:rPr lang="fr-CH" smtClean="0"/>
-              <a:t>23.06.2020</a:t>
+              <a:t>25.06.2020</a:t>
             </a:fld>
             <a:endParaRPr lang="en-US" dirty="0"/>
           </a:p>
@@ -9712,6 +9716,142 @@
               <a:t>10</a:t>
             </a:fld>
             <a:endParaRPr lang="en-US" dirty="0"/>
+          </a:p>
+        </p:txBody>
+      </p:sp>
+      <p:pic>
+        <p:nvPicPr>
+          <p:cNvPr id="7" name="Image 6" descr="Une image contenant animal&#10;&#10;Description générée automatiquement">
+            <a:extLst>
+              <a:ext uri="{FF2B5EF4-FFF2-40B4-BE49-F238E27FC236}">
+                <a16:creationId xmlns:a16="http://schemas.microsoft.com/office/drawing/2014/main" id="{82F05498-B0B6-4A3F-8BAD-293F007B36A4}"/>
+              </a:ext>
+            </a:extLst>
+          </p:cNvPr>
+          <p:cNvPicPr>
+            <a:picLocks noChangeAspect="1"/>
+          </p:cNvPicPr>
+          <p:nvPr/>
+        </p:nvPicPr>
+        <p:blipFill>
+          <a:blip r:embed="rId2"/>
+          <a:stretch>
+            <a:fillRect/>
+          </a:stretch>
+        </p:blipFill>
+        <p:spPr>
+          <a:xfrm>
+            <a:off x="6686773" y="3147375"/>
+            <a:ext cx="3667128" cy="1246824"/>
+          </a:xfrm>
+          <a:prstGeom prst="rect">
+            <a:avLst/>
+          </a:prstGeom>
+        </p:spPr>
+      </p:pic>
+      <p:pic>
+        <p:nvPicPr>
+          <p:cNvPr id="8" name="Graphique 7" descr="Avertissement">
+            <a:extLst>
+              <a:ext uri="{FF2B5EF4-FFF2-40B4-BE49-F238E27FC236}">
+                <a16:creationId xmlns:a16="http://schemas.microsoft.com/office/drawing/2014/main" id="{DAE86108-8C5F-4F76-9C4B-BA17A55167CF}"/>
+              </a:ext>
+            </a:extLst>
+          </p:cNvPr>
+          <p:cNvPicPr>
+            <a:picLocks noChangeAspect="1"/>
+          </p:cNvPicPr>
+          <p:nvPr/>
+        </p:nvPicPr>
+        <p:blipFill>
+          <a:blip r:embed="rId3">
+            <a:extLst>
+              <a:ext uri="{96DAC541-7B7A-43D3-8B79-37D633B846F1}">
+                <asvg:svgBlip xmlns:asvg="http://schemas.microsoft.com/office/drawing/2016/SVG/main" r:embed="rId4"/>
+              </a:ext>
+            </a:extLst>
+          </a:blip>
+          <a:stretch>
+            <a:fillRect/>
+          </a:stretch>
+        </p:blipFill>
+        <p:spPr>
+          <a:xfrm>
+            <a:off x="6402576" y="4474694"/>
+            <a:ext cx="1401174" cy="1401174"/>
+          </a:xfrm>
+          <a:prstGeom prst="rect">
+            <a:avLst/>
+          </a:prstGeom>
+        </p:spPr>
+      </p:pic>
+      <p:sp>
+        <p:nvSpPr>
+          <p:cNvPr id="11" name="ZoneTexte 10">
+            <a:extLst>
+              <a:ext uri="{FF2B5EF4-FFF2-40B4-BE49-F238E27FC236}">
+                <a16:creationId xmlns:a16="http://schemas.microsoft.com/office/drawing/2014/main" id="{815DA96A-F8F5-41A1-832D-89A556BF2C89}"/>
+              </a:ext>
+            </a:extLst>
+          </p:cNvPr>
+          <p:cNvSpPr txBox="1"/>
+          <p:nvPr/>
+        </p:nvSpPr>
+        <p:spPr>
+          <a:xfrm>
+            <a:off x="7943163" y="4665132"/>
+            <a:ext cx="2577822" cy="369332"/>
+          </a:xfrm>
+          <a:prstGeom prst="rect">
+            <a:avLst/>
+          </a:prstGeom>
+          <a:noFill/>
+        </p:spPr>
+        <p:txBody>
+          <a:bodyPr wrap="none" rtlCol="0">
+            <a:spAutoFit/>
+          </a:bodyPr>
+          <a:lstStyle/>
+          <a:p>
+            <a:r>
+              <a:rPr lang="fr-CH" dirty="0"/>
+              <a:t>Température: 24°C – 27°C</a:t>
+            </a:r>
+          </a:p>
+        </p:txBody>
+      </p:sp>
+      <p:sp>
+        <p:nvSpPr>
+          <p:cNvPr id="12" name="ZoneTexte 11">
+            <a:extLst>
+              <a:ext uri="{FF2B5EF4-FFF2-40B4-BE49-F238E27FC236}">
+                <a16:creationId xmlns:a16="http://schemas.microsoft.com/office/drawing/2014/main" id="{040C5199-2FD3-40A4-857E-7AAEDC9875E9}"/>
+              </a:ext>
+            </a:extLst>
+          </p:cNvPr>
+          <p:cNvSpPr txBox="1"/>
+          <p:nvPr/>
+        </p:nvSpPr>
+        <p:spPr>
+          <a:xfrm>
+            <a:off x="7969034" y="5312705"/>
+            <a:ext cx="2146742" cy="369332"/>
+          </a:xfrm>
+          <a:prstGeom prst="rect">
+            <a:avLst/>
+          </a:prstGeom>
+          <a:noFill/>
+        </p:spPr>
+        <p:txBody>
+          <a:bodyPr wrap="none" rtlCol="0">
+            <a:spAutoFit/>
+          </a:bodyPr>
+          <a:lstStyle/>
+          <a:p>
+            <a:r>
+              <a:rPr lang="fr-CH" dirty="0"/>
+              <a:t>Humidité: 55% - 60%</a:t>
+            </a:r>
           </a:p>
         </p:txBody>
       </p:sp>
@@ -9747,10 +9887,10 @@
       </p:grpSpPr>
       <p:sp>
         <p:nvSpPr>
-          <p:cNvPr id="2" name="Espace réservé de la date 1">
+          <p:cNvPr id="2" name="Titre 1">
             <a:extLst>
               <a:ext uri="{FF2B5EF4-FFF2-40B4-BE49-F238E27FC236}">
-                <a16:creationId xmlns:a16="http://schemas.microsoft.com/office/drawing/2014/main" id="{D83FEBF2-D8C0-4DF4-A661-530702FACD3A}"/>
+                <a16:creationId xmlns:a16="http://schemas.microsoft.com/office/drawing/2014/main" id="{4AEEBD7F-57A4-4B2C-95DE-899254841CBB}"/>
               </a:ext>
             </a:extLst>
           </p:cNvPr>
@@ -9758,7 +9898,7 @@
             <a:spLocks noGrp="1"/>
           </p:cNvSpPr>
           <p:nvPr>
-            <p:ph type="dt" sz="half" idx="10"/>
+            <p:ph type="title"/>
           </p:nvPr>
         </p:nvSpPr>
         <p:spPr/>
@@ -9766,20 +9906,19 @@
           <a:bodyPr/>
           <a:lstStyle/>
           <a:p>
-            <a:fld id="{63BAB164-F9FC-41E9-B253-60C891C53DD3}" type="datetime1">
-              <a:rPr lang="fr-CH" smtClean="0"/>
-              <a:t>24.06.2020</a:t>
-            </a:fld>
-            <a:endParaRPr lang="en-US" dirty="0"/>
-          </a:p>
-        </p:txBody>
-      </p:sp>
-      <p:sp>
-        <p:nvSpPr>
-          <p:cNvPr id="3" name="Espace réservé du numéro de diapositive 2">
+            <a:r>
+              <a:rPr lang="fr-CH" dirty="0"/>
+              <a:t>Cahier des charges</a:t>
+            </a:r>
+          </a:p>
+        </p:txBody>
+      </p:sp>
+      <p:sp>
+        <p:nvSpPr>
+          <p:cNvPr id="5" name="Espace réservé du contenu 4">
             <a:extLst>
               <a:ext uri="{FF2B5EF4-FFF2-40B4-BE49-F238E27FC236}">
-                <a16:creationId xmlns:a16="http://schemas.microsoft.com/office/drawing/2014/main" id="{F06034CE-F209-4B1D-80B8-20A78A634E95}"/>
+                <a16:creationId xmlns:a16="http://schemas.microsoft.com/office/drawing/2014/main" id="{C729415C-9DC5-4EE1-9D5C-FAD2D6468FFE}"/>
               </a:ext>
             </a:extLst>
           </p:cNvPr>
@@ -9787,7 +9926,7 @@
             <a:spLocks noGrp="1"/>
           </p:cNvSpPr>
           <p:nvPr>
-            <p:ph type="sldNum" sz="quarter" idx="12"/>
+            <p:ph idx="1"/>
           </p:nvPr>
         </p:nvSpPr>
         <p:spPr/>
@@ -9795,21 +9934,28 @@
           <a:bodyPr/>
           <a:lstStyle/>
           <a:p>
-            <a:fld id="{D57F1E4F-1CFF-5643-939E-217C01CDF565}" type="slidenum">
-              <a:rPr lang="en-US" smtClean="0"/>
-              <a:pPr/>
-              <a:t>11</a:t>
-            </a:fld>
-            <a:endParaRPr lang="en-US" dirty="0"/>
+            <a:r>
+              <a:rPr lang="fr-CH" dirty="0"/>
+              <a:t>Réalisation de diverses possibilités</a:t>
+            </a:r>
+          </a:p>
+          <a:p>
+            <a:r>
+              <a:rPr lang="fr-CH" dirty="0"/>
+              <a:t>Entretien avec le client</a:t>
+            </a:r>
+          </a:p>
+          <a:p>
+            <a:endParaRPr lang="fr-CH" dirty="0"/>
           </a:p>
         </p:txBody>
       </p:sp>
       <p:pic>
         <p:nvPicPr>
-          <p:cNvPr id="4" name="Image 3" descr="Une image contenant blanc&#10;&#10;Description générée automatiquement">
+          <p:cNvPr id="6" name="Image 5">
             <a:extLst>
               <a:ext uri="{FF2B5EF4-FFF2-40B4-BE49-F238E27FC236}">
-                <a16:creationId xmlns:a16="http://schemas.microsoft.com/office/drawing/2014/main" id="{EFF58714-4F7A-4EAB-A4BC-C6EA591DFCC3}"/>
+                <a16:creationId xmlns:a16="http://schemas.microsoft.com/office/drawing/2014/main" id="{90FBFDB1-9BA0-426A-9A4E-4101D3133A05}"/>
               </a:ext>
             </a:extLst>
           </p:cNvPr>
@@ -9826,342 +9972,20 @@
         </p:blipFill>
         <p:spPr>
           <a:xfrm>
-            <a:off x="1219200" y="1244971"/>
-            <a:ext cx="2308716" cy="1313082"/>
-          </a:xfrm>
-          <a:prstGeom prst="ellipse">
-            <a:avLst/>
-          </a:prstGeom>
-          <a:ln>
-            <a:noFill/>
-          </a:ln>
-          <a:effectLst>
-            <a:softEdge rad="112500"/>
-          </a:effectLst>
-        </p:spPr>
-      </p:pic>
-      <p:sp>
-        <p:nvSpPr>
-          <p:cNvPr id="8" name="Arc 7">
-            <a:extLst>
-              <a:ext uri="{FF2B5EF4-FFF2-40B4-BE49-F238E27FC236}">
-                <a16:creationId xmlns:a16="http://schemas.microsoft.com/office/drawing/2014/main" id="{FF89E7B2-BE13-461F-98CC-760D373F5BDB}"/>
-              </a:ext>
-            </a:extLst>
-          </p:cNvPr>
-          <p:cNvSpPr/>
-          <p:nvPr/>
-        </p:nvSpPr>
-        <p:spPr>
-          <a:xfrm>
-            <a:off x="2592368" y="1071492"/>
-            <a:ext cx="1371913" cy="914400"/>
-          </a:xfrm>
-          <a:prstGeom prst="arc">
-            <a:avLst>
-              <a:gd name="adj1" fmla="val 11524815"/>
-              <a:gd name="adj2" fmla="val 20488164"/>
-            </a:avLst>
-          </a:prstGeom>
-        </p:spPr>
-        <p:style>
-          <a:lnRef idx="1">
-            <a:schemeClr val="accent1"/>
-          </a:lnRef>
-          <a:fillRef idx="0">
-            <a:schemeClr val="accent1"/>
-          </a:fillRef>
-          <a:effectRef idx="0">
-            <a:schemeClr val="accent1"/>
-          </a:effectRef>
-          <a:fontRef idx="minor">
-            <a:schemeClr val="tx1"/>
-          </a:fontRef>
-        </p:style>
-        <p:txBody>
-          <a:bodyPr rtlCol="0" anchor="ctr"/>
-          <a:lstStyle/>
-          <a:p>
-            <a:pPr algn="ctr"/>
-            <a:endParaRPr lang="fr-CH"/>
-          </a:p>
-        </p:txBody>
-      </p:sp>
-      <p:cxnSp>
-        <p:nvCxnSpPr>
-          <p:cNvPr id="9" name="Connecteur droit avec flèche 8">
-            <a:extLst>
-              <a:ext uri="{FF2B5EF4-FFF2-40B4-BE49-F238E27FC236}">
-                <a16:creationId xmlns:a16="http://schemas.microsoft.com/office/drawing/2014/main" id="{B8698631-1B36-4EF2-AED1-CD25AF700D53}"/>
-              </a:ext>
-            </a:extLst>
-          </p:cNvPr>
-          <p:cNvCxnSpPr>
-            <a:cxnSpLocks/>
-            <a:stCxn id="8" idx="2"/>
-          </p:cNvCxnSpPr>
-          <p:nvPr/>
-        </p:nvCxnSpPr>
-        <p:spPr>
-          <a:xfrm>
-            <a:off x="3891150" y="1323279"/>
-            <a:ext cx="73131" cy="205413"/>
-          </a:xfrm>
-          <a:prstGeom prst="straightConnector1">
-            <a:avLst/>
-          </a:prstGeom>
-          <a:ln>
-            <a:tailEnd type="triangle"/>
-          </a:ln>
-        </p:spPr>
-        <p:style>
-          <a:lnRef idx="1">
-            <a:schemeClr val="accent1"/>
-          </a:lnRef>
-          <a:fillRef idx="0">
-            <a:schemeClr val="accent1"/>
-          </a:fillRef>
-          <a:effectRef idx="0">
-            <a:schemeClr val="accent1"/>
-          </a:effectRef>
-          <a:fontRef idx="minor">
-            <a:schemeClr val="tx1"/>
-          </a:fontRef>
-        </p:style>
-      </p:cxnSp>
-      <p:sp>
-        <p:nvSpPr>
-          <p:cNvPr id="12" name="ZoneTexte 11">
-            <a:extLst>
-              <a:ext uri="{FF2B5EF4-FFF2-40B4-BE49-F238E27FC236}">
-                <a16:creationId xmlns:a16="http://schemas.microsoft.com/office/drawing/2014/main" id="{1514A701-6426-43A3-A391-77BD645BEBBA}"/>
-              </a:ext>
-            </a:extLst>
-          </p:cNvPr>
-          <p:cNvSpPr txBox="1"/>
-          <p:nvPr/>
-        </p:nvSpPr>
-        <p:spPr>
-          <a:xfrm>
-            <a:off x="1273737" y="2422539"/>
-            <a:ext cx="2199641" cy="461665"/>
+            <a:off x="1320673" y="3694237"/>
+            <a:ext cx="2955423" cy="1801564"/>
           </a:xfrm>
           <a:prstGeom prst="rect">
             <a:avLst/>
           </a:prstGeom>
-          <a:noFill/>
-        </p:spPr>
-        <p:txBody>
-          <a:bodyPr wrap="none" rtlCol="0">
-            <a:spAutoFit/>
-          </a:bodyPr>
-          <a:lstStyle/>
-          <a:p>
-            <a:r>
-              <a:rPr lang="fr-CH" sz="800" dirty="0"/>
-              <a:t>https://www.der-rollende-shop.de/media/image/</a:t>
-            </a:r>
-          </a:p>
-          <a:p>
-            <a:r>
-              <a:rPr lang="fr-CH" sz="800" dirty="0" err="1"/>
-              <a:t>product</a:t>
-            </a:r>
-            <a:r>
-              <a:rPr lang="fr-CH" sz="800" dirty="0"/>
-              <a:t>/11127/md</a:t>
-            </a:r>
-          </a:p>
-          <a:p>
-            <a:r>
-              <a:rPr lang="fr-CH" sz="800" dirty="0"/>
-              <a:t>/euro-stapelbehaelter-800x600x120-mm-grau.jpg</a:t>
-            </a:r>
-          </a:p>
-        </p:txBody>
-      </p:sp>
+        </p:spPr>
+      </p:pic>
       <p:pic>
         <p:nvPicPr>
-          <p:cNvPr id="13" name="Image 12" descr="Une image contenant blanc&#10;&#10;Description générée automatiquement">
+          <p:cNvPr id="7" name="Image 6">
             <a:extLst>
               <a:ext uri="{FF2B5EF4-FFF2-40B4-BE49-F238E27FC236}">
-                <a16:creationId xmlns:a16="http://schemas.microsoft.com/office/drawing/2014/main" id="{38048C8C-AC23-454A-AFFF-52F878543ED9}"/>
-              </a:ext>
-            </a:extLst>
-          </p:cNvPr>
-          <p:cNvPicPr>
-            <a:picLocks noChangeAspect="1"/>
-          </p:cNvPicPr>
-          <p:nvPr/>
-        </p:nvPicPr>
-        <p:blipFill>
-          <a:blip r:embed="rId2"/>
-          <a:stretch>
-            <a:fillRect/>
-          </a:stretch>
-        </p:blipFill>
-        <p:spPr>
-          <a:xfrm>
-            <a:off x="1270345" y="3582752"/>
-            <a:ext cx="2308716" cy="1313082"/>
-          </a:xfrm>
-          <a:prstGeom prst="ellipse">
-            <a:avLst/>
-          </a:prstGeom>
-          <a:ln>
-            <a:noFill/>
-          </a:ln>
-          <a:effectLst>
-            <a:softEdge rad="112500"/>
-          </a:effectLst>
-        </p:spPr>
-      </p:pic>
-      <p:sp>
-        <p:nvSpPr>
-          <p:cNvPr id="14" name="Arc 13">
-            <a:extLst>
-              <a:ext uri="{FF2B5EF4-FFF2-40B4-BE49-F238E27FC236}">
-                <a16:creationId xmlns:a16="http://schemas.microsoft.com/office/drawing/2014/main" id="{91523E99-9A4B-49AF-A3C5-E08C3F6781AF}"/>
-              </a:ext>
-            </a:extLst>
-          </p:cNvPr>
-          <p:cNvSpPr/>
-          <p:nvPr/>
-        </p:nvSpPr>
-        <p:spPr>
-          <a:xfrm>
-            <a:off x="2643513" y="3409273"/>
-            <a:ext cx="1125219" cy="914400"/>
-          </a:xfrm>
-          <a:prstGeom prst="arc">
-            <a:avLst>
-              <a:gd name="adj1" fmla="val 12339911"/>
-              <a:gd name="adj2" fmla="val 21468944"/>
-            </a:avLst>
-          </a:prstGeom>
-        </p:spPr>
-        <p:style>
-          <a:lnRef idx="1">
-            <a:schemeClr val="accent1"/>
-          </a:lnRef>
-          <a:fillRef idx="0">
-            <a:schemeClr val="accent1"/>
-          </a:fillRef>
-          <a:effectRef idx="0">
-            <a:schemeClr val="accent1"/>
-          </a:effectRef>
-          <a:fontRef idx="minor">
-            <a:schemeClr val="tx1"/>
-          </a:fontRef>
-        </p:style>
-        <p:txBody>
-          <a:bodyPr rtlCol="0" anchor="ctr"/>
-          <a:lstStyle/>
-          <a:p>
-            <a:pPr algn="ctr"/>
-            <a:endParaRPr lang="fr-CH"/>
-          </a:p>
-        </p:txBody>
-      </p:sp>
-      <p:cxnSp>
-        <p:nvCxnSpPr>
-          <p:cNvPr id="15" name="Connecteur droit avec flèche 14">
-            <a:extLst>
-              <a:ext uri="{FF2B5EF4-FFF2-40B4-BE49-F238E27FC236}">
-                <a16:creationId xmlns:a16="http://schemas.microsoft.com/office/drawing/2014/main" id="{2F6A948A-4899-4821-AD25-867A3F94A9C0}"/>
-              </a:ext>
-            </a:extLst>
-          </p:cNvPr>
-          <p:cNvCxnSpPr>
-            <a:cxnSpLocks/>
-            <a:stCxn id="14" idx="0"/>
-          </p:cNvCxnSpPr>
-          <p:nvPr/>
-        </p:nvCxnSpPr>
-        <p:spPr>
-          <a:xfrm flipH="1">
-            <a:off x="2643515" y="3633766"/>
-            <a:ext cx="78326" cy="161340"/>
-          </a:xfrm>
-          <a:prstGeom prst="straightConnector1">
-            <a:avLst/>
-          </a:prstGeom>
-          <a:ln>
-            <a:tailEnd type="triangle"/>
-          </a:ln>
-        </p:spPr>
-        <p:style>
-          <a:lnRef idx="1">
-            <a:schemeClr val="accent1"/>
-          </a:lnRef>
-          <a:fillRef idx="0">
-            <a:schemeClr val="accent1"/>
-          </a:fillRef>
-          <a:effectRef idx="0">
-            <a:schemeClr val="accent1"/>
-          </a:effectRef>
-          <a:fontRef idx="minor">
-            <a:schemeClr val="tx1"/>
-          </a:fontRef>
-        </p:style>
-      </p:cxnSp>
-      <p:sp>
-        <p:nvSpPr>
-          <p:cNvPr id="16" name="ZoneTexte 15">
-            <a:extLst>
-              <a:ext uri="{FF2B5EF4-FFF2-40B4-BE49-F238E27FC236}">
-                <a16:creationId xmlns:a16="http://schemas.microsoft.com/office/drawing/2014/main" id="{B9DD9491-9F87-401A-8379-16BF9BCD9F8E}"/>
-              </a:ext>
-            </a:extLst>
-          </p:cNvPr>
-          <p:cNvSpPr txBox="1"/>
-          <p:nvPr/>
-        </p:nvSpPr>
-        <p:spPr>
-          <a:xfrm>
-            <a:off x="1324882" y="4760320"/>
-            <a:ext cx="2199641" cy="461665"/>
-          </a:xfrm>
-          <a:prstGeom prst="rect">
-            <a:avLst/>
-          </a:prstGeom>
-          <a:noFill/>
-        </p:spPr>
-        <p:txBody>
-          <a:bodyPr wrap="none" rtlCol="0">
-            <a:spAutoFit/>
-          </a:bodyPr>
-          <a:lstStyle/>
-          <a:p>
-            <a:r>
-              <a:rPr lang="fr-CH" sz="800" dirty="0"/>
-              <a:t>https://www.der-rollende-shop.de/media/image/</a:t>
-            </a:r>
-          </a:p>
-          <a:p>
-            <a:r>
-              <a:rPr lang="fr-CH" sz="800" dirty="0" err="1"/>
-              <a:t>product</a:t>
-            </a:r>
-            <a:r>
-              <a:rPr lang="fr-CH" sz="800" dirty="0"/>
-              <a:t>/11127/md</a:t>
-            </a:r>
-          </a:p>
-          <a:p>
-            <a:r>
-              <a:rPr lang="fr-CH" sz="800" dirty="0"/>
-              <a:t>/euro-stapelbehaelter-800x600x120-mm-grau.jpg</a:t>
-            </a:r>
-          </a:p>
-        </p:txBody>
-      </p:sp>
-      <p:pic>
-        <p:nvPicPr>
-          <p:cNvPr id="20" name="Image 19" descr="Une image contenant insecte, animal, assis&#10;&#10;Description générée automatiquement">
-            <a:extLst>
-              <a:ext uri="{FF2B5EF4-FFF2-40B4-BE49-F238E27FC236}">
-                <a16:creationId xmlns:a16="http://schemas.microsoft.com/office/drawing/2014/main" id="{49B7CB81-A7EB-4872-A194-0A465158A980}"/>
+                <a16:creationId xmlns:a16="http://schemas.microsoft.com/office/drawing/2014/main" id="{80410869-3A03-4CA2-BD44-1C84BF39C478}"/>
               </a:ext>
             </a:extLst>
           </p:cNvPr>
@@ -10178,8 +10002,8 @@
         </p:blipFill>
         <p:spPr>
           <a:xfrm>
-            <a:off x="3774338" y="1584324"/>
-            <a:ext cx="548267" cy="782698"/>
+            <a:off x="4470504" y="3933212"/>
+            <a:ext cx="2955423" cy="1484146"/>
           </a:xfrm>
           <a:prstGeom prst="rect">
             <a:avLst/>
@@ -10188,10 +10012,10 @@
       </p:pic>
       <p:pic>
         <p:nvPicPr>
-          <p:cNvPr id="22" name="Image 21" descr="Une image contenant animal&#10;&#10;Description générée automatiquement">
+          <p:cNvPr id="8" name="Image 7">
             <a:extLst>
               <a:ext uri="{FF2B5EF4-FFF2-40B4-BE49-F238E27FC236}">
-                <a16:creationId xmlns:a16="http://schemas.microsoft.com/office/drawing/2014/main" id="{2A22F226-4107-40B0-8F16-4E268E4B6971}"/>
+                <a16:creationId xmlns:a16="http://schemas.microsoft.com/office/drawing/2014/main" id="{D92D52DC-B302-4FFC-A1A7-5E8B1D0E9674}"/>
               </a:ext>
             </a:extLst>
           </p:cNvPr>
@@ -10208,8 +10032,8 @@
         </p:blipFill>
         <p:spPr>
           <a:xfrm>
-            <a:off x="5370221" y="941104"/>
-            <a:ext cx="5715000" cy="1943100"/>
+            <a:off x="7609014" y="4302080"/>
+            <a:ext cx="3262313" cy="757238"/>
           </a:xfrm>
           <a:prstGeom prst="rect">
             <a:avLst/>
@@ -10218,44 +10042,68 @@
       </p:pic>
       <p:sp>
         <p:nvSpPr>
-          <p:cNvPr id="23" name="Rectangle 22">
+          <p:cNvPr id="10" name="Espace réservé de la date 9">
             <a:extLst>
               <a:ext uri="{FF2B5EF4-FFF2-40B4-BE49-F238E27FC236}">
-                <a16:creationId xmlns:a16="http://schemas.microsoft.com/office/drawing/2014/main" id="{15B3B080-21CA-4D51-AE48-C90DF1F482CC}"/>
+                <a16:creationId xmlns:a16="http://schemas.microsoft.com/office/drawing/2014/main" id="{A345277B-A36C-4B79-8571-3935894C7665}"/>
               </a:ext>
             </a:extLst>
           </p:cNvPr>
-          <p:cNvSpPr/>
-          <p:nvPr/>
-        </p:nvSpPr>
-        <p:spPr>
-          <a:xfrm>
-            <a:off x="6345594" y="2863283"/>
-            <a:ext cx="3764254" cy="213940"/>
-          </a:xfrm>
-          <a:prstGeom prst="rect">
-            <a:avLst/>
-          </a:prstGeom>
-        </p:spPr>
-        <p:txBody>
-          <a:bodyPr wrap="square">
-            <a:spAutoFit/>
-          </a:bodyPr>
-          <a:lstStyle/>
-          <a:p>
-            <a:r>
-              <a:rPr lang="fr-CH" sz="800" dirty="0"/>
-              <a:t>https://poulesclub-e5b0.kxcdn.com/wp-content/uploads/2017/09/vers-farine-cycle.jpg</a:t>
-            </a:r>
-          </a:p>
-        </p:txBody>
-      </p:sp>
-      <p:sp>
-        <p:nvSpPr>
-          <p:cNvPr id="24" name="ZoneTexte 23">
+          <p:cNvSpPr>
+            <a:spLocks noGrp="1"/>
+          </p:cNvSpPr>
+          <p:nvPr>
+            <p:ph type="dt" sz="half" idx="10"/>
+          </p:nvPr>
+        </p:nvSpPr>
+        <p:spPr/>
+        <p:txBody>
+          <a:bodyPr/>
+          <a:lstStyle/>
+          <a:p>
+            <a:fld id="{78C2C41E-A6A1-46F3-B7AE-2793C940EA86}" type="datetime1">
+              <a:rPr lang="fr-CH" smtClean="0"/>
+              <a:t>24.06.2020</a:t>
+            </a:fld>
+            <a:endParaRPr lang="en-US" dirty="0"/>
+          </a:p>
+        </p:txBody>
+      </p:sp>
+      <p:sp>
+        <p:nvSpPr>
+          <p:cNvPr id="11" name="Espace réservé du numéro de diapositive 10">
             <a:extLst>
               <a:ext uri="{FF2B5EF4-FFF2-40B4-BE49-F238E27FC236}">
-                <a16:creationId xmlns:a16="http://schemas.microsoft.com/office/drawing/2014/main" id="{C969F869-6002-44F0-9AF7-1C5F30D23FD7}"/>
+                <a16:creationId xmlns:a16="http://schemas.microsoft.com/office/drawing/2014/main" id="{3B973846-4AE0-48CA-A708-29B5F614E764}"/>
+              </a:ext>
+            </a:extLst>
+          </p:cNvPr>
+          <p:cNvSpPr>
+            <a:spLocks noGrp="1"/>
+          </p:cNvSpPr>
+          <p:nvPr>
+            <p:ph type="sldNum" sz="quarter" idx="12"/>
+          </p:nvPr>
+        </p:nvSpPr>
+        <p:spPr/>
+        <p:txBody>
+          <a:bodyPr/>
+          <a:lstStyle/>
+          <a:p>
+            <a:fld id="{E97799C9-84D9-46D2-A11E-BCF8A720529D}" type="slidenum">
+              <a:rPr lang="en-US" smtClean="0"/>
+              <a:t>11</a:t>
+            </a:fld>
+            <a:endParaRPr lang="en-US" dirty="0"/>
+          </a:p>
+        </p:txBody>
+      </p:sp>
+      <p:sp>
+        <p:nvSpPr>
+          <p:cNvPr id="12" name="ZoneTexte 11">
+            <a:extLst>
+              <a:ext uri="{FF2B5EF4-FFF2-40B4-BE49-F238E27FC236}">
+                <a16:creationId xmlns:a16="http://schemas.microsoft.com/office/drawing/2014/main" id="{4F10DE22-136E-4CF7-BBD7-EA65309E053B}"/>
               </a:ext>
             </a:extLst>
           </p:cNvPr>
@@ -10264,8 +10112,8 @@
         </p:nvSpPr>
         <p:spPr>
           <a:xfrm>
-            <a:off x="3579060" y="3917256"/>
-            <a:ext cx="909223" cy="646331"/>
+            <a:off x="3139948" y="3862820"/>
+            <a:ext cx="963725" cy="369332"/>
           </a:xfrm>
           <a:prstGeom prst="rect">
             <a:avLst/>
@@ -10279,24 +10127,23 @@
           <a:lstStyle/>
           <a:p>
             <a:r>
-              <a:rPr lang="fr-CH" dirty="0"/>
-              <a:t>Fruits/</a:t>
-            </a:r>
-          </a:p>
-          <a:p>
-            <a:r>
-              <a:rPr lang="fr-CH" dirty="0"/>
-              <a:t>légumes</a:t>
-            </a:r>
-          </a:p>
-        </p:txBody>
-      </p:sp>
-      <p:sp>
-        <p:nvSpPr>
-          <p:cNvPr id="25" name="ZoneTexte 24">
+              <a:rPr lang="fr-CH" dirty="0">
+                <a:solidFill>
+                  <a:srgbClr val="FF0000"/>
+                </a:solidFill>
+                <a:latin typeface="Freestyle Script" panose="030804020302050B0404" pitchFamily="66" charset="0"/>
+              </a:rPr>
+              <a:t>Pas suffisant</a:t>
+            </a:r>
+          </a:p>
+        </p:txBody>
+      </p:sp>
+      <p:sp>
+        <p:nvSpPr>
+          <p:cNvPr id="13" name="ZoneTexte 12">
             <a:extLst>
               <a:ext uri="{FF2B5EF4-FFF2-40B4-BE49-F238E27FC236}">
-                <a16:creationId xmlns:a16="http://schemas.microsoft.com/office/drawing/2014/main" id="{EEAA4AE9-4849-4A74-8B7C-525EFA4C042C}"/>
+                <a16:creationId xmlns:a16="http://schemas.microsoft.com/office/drawing/2014/main" id="{4FD3D0E9-F545-4072-AB49-0699F75180C8}"/>
               </a:ext>
             </a:extLst>
           </p:cNvPr>
@@ -10305,8 +10152,8 @@
         </p:nvSpPr>
         <p:spPr>
           <a:xfrm>
-            <a:off x="4214527" y="3397288"/>
-            <a:ext cx="959750" cy="369332"/>
+            <a:off x="3049377" y="4127100"/>
+            <a:ext cx="1144865" cy="646331"/>
           </a:xfrm>
           <a:prstGeom prst="rect">
             <a:avLst/>
@@ -10320,18 +10167,34 @@
           <a:lstStyle/>
           <a:p>
             <a:r>
-              <a:rPr lang="fr-CH" dirty="0"/>
-              <a:t>Pommes</a:t>
-            </a:r>
-          </a:p>
-        </p:txBody>
-      </p:sp>
-      <p:sp>
-        <p:nvSpPr>
-          <p:cNvPr id="26" name="ZoneTexte 25">
+              <a:rPr lang="fr-CH" dirty="0">
+                <a:solidFill>
+                  <a:srgbClr val="FF0000"/>
+                </a:solidFill>
+                <a:latin typeface="Freestyle Script" panose="030804020302050B0404" pitchFamily="66" charset="0"/>
+              </a:rPr>
+              <a:t>Oui, un en haut </a:t>
+            </a:r>
+          </a:p>
+          <a:p>
+            <a:r>
+              <a:rPr lang="fr-CH" dirty="0">
+                <a:solidFill>
+                  <a:srgbClr val="FF0000"/>
+                </a:solidFill>
+                <a:latin typeface="Freestyle Script" panose="030804020302050B0404" pitchFamily="66" charset="0"/>
+              </a:rPr>
+              <a:t>et un en bas</a:t>
+            </a:r>
+          </a:p>
+        </p:txBody>
+      </p:sp>
+      <p:sp>
+        <p:nvSpPr>
+          <p:cNvPr id="14" name="ZoneTexte 13">
             <a:extLst>
               <a:ext uri="{FF2B5EF4-FFF2-40B4-BE49-F238E27FC236}">
-                <a16:creationId xmlns:a16="http://schemas.microsoft.com/office/drawing/2014/main" id="{8A0125E4-5CD2-4572-9FCB-A76CC43F4C2B}"/>
+                <a16:creationId xmlns:a16="http://schemas.microsoft.com/office/drawing/2014/main" id="{5ABA50E8-B8AD-4FAA-82E7-DA4BFC3F8D26}"/>
               </a:ext>
             </a:extLst>
           </p:cNvPr>
@@ -10340,8 +10203,125 @@
         </p:nvSpPr>
         <p:spPr>
           <a:xfrm>
-            <a:off x="4214527" y="4627345"/>
-            <a:ext cx="934871" cy="369332"/>
+            <a:off x="3130328" y="4705086"/>
+            <a:ext cx="982961" cy="923330"/>
+          </a:xfrm>
+          <a:prstGeom prst="rect">
+            <a:avLst/>
+          </a:prstGeom>
+          <a:solidFill>
+            <a:schemeClr val="bg1"/>
+          </a:solidFill>
+        </p:spPr>
+        <p:txBody>
+          <a:bodyPr wrap="none" rtlCol="0">
+            <a:spAutoFit/>
+          </a:bodyPr>
+          <a:lstStyle/>
+          <a:p>
+            <a:r>
+              <a:rPr lang="fr-CH" dirty="0">
+                <a:solidFill>
+                  <a:srgbClr val="FF0000"/>
+                </a:solidFill>
+                <a:latin typeface="Freestyle Script" panose="030804020302050B0404" pitchFamily="66" charset="0"/>
+              </a:rPr>
+              <a:t>Non, rien de </a:t>
+            </a:r>
+          </a:p>
+          <a:p>
+            <a:r>
+              <a:rPr lang="fr-CH" dirty="0">
+                <a:solidFill>
+                  <a:srgbClr val="FF0000"/>
+                </a:solidFill>
+                <a:latin typeface="Freestyle Script" panose="030804020302050B0404" pitchFamily="66" charset="0"/>
+              </a:rPr>
+              <a:t>planté dans </a:t>
+            </a:r>
+          </a:p>
+          <a:p>
+            <a:r>
+              <a:rPr lang="fr-CH" dirty="0">
+                <a:solidFill>
+                  <a:srgbClr val="FF0000"/>
+                </a:solidFill>
+                <a:latin typeface="Freestyle Script" panose="030804020302050B0404" pitchFamily="66" charset="0"/>
+              </a:rPr>
+              <a:t>les bacs</a:t>
+            </a:r>
+          </a:p>
+        </p:txBody>
+      </p:sp>
+      <p:sp>
+        <p:nvSpPr>
+          <p:cNvPr id="15" name="ZoneTexte 14">
+            <a:extLst>
+              <a:ext uri="{FF2B5EF4-FFF2-40B4-BE49-F238E27FC236}">
+                <a16:creationId xmlns:a16="http://schemas.microsoft.com/office/drawing/2014/main" id="{E785B20A-1A71-4B19-901E-BFC92BEB6E6B}"/>
+              </a:ext>
+            </a:extLst>
+          </p:cNvPr>
+          <p:cNvSpPr txBox="1"/>
+          <p:nvPr/>
+        </p:nvSpPr>
+        <p:spPr>
+          <a:xfrm>
+            <a:off x="6152869" y="4130574"/>
+            <a:ext cx="1273058" cy="646331"/>
+          </a:xfrm>
+          <a:prstGeom prst="rect">
+            <a:avLst/>
+          </a:prstGeom>
+          <a:solidFill>
+            <a:schemeClr val="bg1"/>
+          </a:solidFill>
+        </p:spPr>
+        <p:txBody>
+          <a:bodyPr wrap="square" rtlCol="0">
+            <a:spAutoFit/>
+          </a:bodyPr>
+          <a:lstStyle/>
+          <a:p>
+            <a:r>
+              <a:rPr lang="fr-CH" dirty="0">
+                <a:solidFill>
+                  <a:srgbClr val="FF0000"/>
+                </a:solidFill>
+                <a:latin typeface="Freestyle Script" panose="030804020302050B0404" pitchFamily="66" charset="0"/>
+              </a:rPr>
+              <a:t>Non, rien dans </a:t>
+            </a:r>
+          </a:p>
+          <a:p>
+            <a:r>
+              <a:rPr lang="fr-CH" dirty="0">
+                <a:solidFill>
+                  <a:srgbClr val="FF0000"/>
+                </a:solidFill>
+                <a:latin typeface="Freestyle Script" panose="030804020302050B0404" pitchFamily="66" charset="0"/>
+              </a:rPr>
+              <a:t>les bacs</a:t>
+            </a:r>
+          </a:p>
+        </p:txBody>
+      </p:sp>
+      <p:sp>
+        <p:nvSpPr>
+          <p:cNvPr id="16" name="ZoneTexte 15">
+            <a:extLst>
+              <a:ext uri="{FF2B5EF4-FFF2-40B4-BE49-F238E27FC236}">
+                <a16:creationId xmlns:a16="http://schemas.microsoft.com/office/drawing/2014/main" id="{32C5CC94-077E-49B8-B713-A88E663241A5}"/>
+              </a:ext>
+            </a:extLst>
+          </p:cNvPr>
+          <p:cNvSpPr txBox="1"/>
+          <p:nvPr/>
+        </p:nvSpPr>
+        <p:spPr>
+          <a:xfrm>
+            <a:off x="6448920" y="4689986"/>
+            <a:ext cx="718466" cy="369332"/>
           </a:xfrm>
           <a:prstGeom prst="rect">
             <a:avLst/>
@@ -10355,103 +10335,23 @@
           <a:lstStyle/>
           <a:p>
             <a:r>
-              <a:rPr lang="fr-CH" dirty="0"/>
-              <a:t>Carottes</a:t>
-            </a:r>
-          </a:p>
-        </p:txBody>
-      </p:sp>
-      <p:cxnSp>
-        <p:nvCxnSpPr>
-          <p:cNvPr id="27" name="Connecteur droit avec flèche 26">
+              <a:rPr lang="fr-CH" dirty="0">
+                <a:solidFill>
+                  <a:srgbClr val="FF0000"/>
+                </a:solidFill>
+                <a:latin typeface="Freestyle Script" panose="030804020302050B0404" pitchFamily="66" charset="0"/>
+              </a:rPr>
+              <a:t>Suffisant</a:t>
+            </a:r>
+          </a:p>
+        </p:txBody>
+      </p:sp>
+      <p:sp>
+        <p:nvSpPr>
+          <p:cNvPr id="17" name="ZoneTexte 16">
             <a:extLst>
               <a:ext uri="{FF2B5EF4-FFF2-40B4-BE49-F238E27FC236}">
-                <a16:creationId xmlns:a16="http://schemas.microsoft.com/office/drawing/2014/main" id="{C7587328-B0CE-4FE1-B295-BC0D413F4EF5}"/>
-              </a:ext>
-            </a:extLst>
-          </p:cNvPr>
-          <p:cNvCxnSpPr>
-            <a:cxnSpLocks/>
-            <a:stCxn id="25" idx="1"/>
-            <a:endCxn id="24" idx="0"/>
-          </p:cNvCxnSpPr>
-          <p:nvPr/>
-        </p:nvCxnSpPr>
-        <p:spPr>
-          <a:xfrm flipH="1">
-            <a:off x="4033672" y="3581954"/>
-            <a:ext cx="180855" cy="335302"/>
-          </a:xfrm>
-          <a:prstGeom prst="straightConnector1">
-            <a:avLst/>
-          </a:prstGeom>
-          <a:ln>
-            <a:tailEnd type="triangle"/>
-          </a:ln>
-        </p:spPr>
-        <p:style>
-          <a:lnRef idx="1">
-            <a:schemeClr val="accent1"/>
-          </a:lnRef>
-          <a:fillRef idx="0">
-            <a:schemeClr val="accent1"/>
-          </a:fillRef>
-          <a:effectRef idx="0">
-            <a:schemeClr val="accent1"/>
-          </a:effectRef>
-          <a:fontRef idx="minor">
-            <a:schemeClr val="tx1"/>
-          </a:fontRef>
-        </p:style>
-      </p:cxnSp>
-      <p:cxnSp>
-        <p:nvCxnSpPr>
-          <p:cNvPr id="28" name="Connecteur droit avec flèche 27">
-            <a:extLst>
-              <a:ext uri="{FF2B5EF4-FFF2-40B4-BE49-F238E27FC236}">
-                <a16:creationId xmlns:a16="http://schemas.microsoft.com/office/drawing/2014/main" id="{E28CB670-D975-4226-94D3-8C019942A637}"/>
-              </a:ext>
-            </a:extLst>
-          </p:cNvPr>
-          <p:cNvCxnSpPr>
-            <a:stCxn id="26" idx="1"/>
-            <a:endCxn id="24" idx="2"/>
-          </p:cNvCxnSpPr>
-          <p:nvPr/>
-        </p:nvCxnSpPr>
-        <p:spPr>
-          <a:xfrm flipH="1" flipV="1">
-            <a:off x="4033672" y="4563587"/>
-            <a:ext cx="180855" cy="248424"/>
-          </a:xfrm>
-          <a:prstGeom prst="straightConnector1">
-            <a:avLst/>
-          </a:prstGeom>
-          <a:ln>
-            <a:tailEnd type="triangle"/>
-          </a:ln>
-        </p:spPr>
-        <p:style>
-          <a:lnRef idx="1">
-            <a:schemeClr val="accent1"/>
-          </a:lnRef>
-          <a:fillRef idx="0">
-            <a:schemeClr val="accent1"/>
-          </a:fillRef>
-          <a:effectRef idx="0">
-            <a:schemeClr val="accent1"/>
-          </a:effectRef>
-          <a:fontRef idx="minor">
-            <a:schemeClr val="tx1"/>
-          </a:fontRef>
-        </p:style>
-      </p:cxnSp>
-      <p:sp>
-        <p:nvSpPr>
-          <p:cNvPr id="33" name="ZoneTexte 32">
-            <a:extLst>
-              <a:ext uri="{FF2B5EF4-FFF2-40B4-BE49-F238E27FC236}">
-                <a16:creationId xmlns:a16="http://schemas.microsoft.com/office/drawing/2014/main" id="{B80807B6-909B-45DF-9D70-3F550A604A78}"/>
+                <a16:creationId xmlns:a16="http://schemas.microsoft.com/office/drawing/2014/main" id="{856A4BB7-B13C-4326-9234-21DFE1802072}"/>
               </a:ext>
             </a:extLst>
           </p:cNvPr>
@@ -10460,8 +10360,8 @@
         </p:nvSpPr>
         <p:spPr>
           <a:xfrm>
-            <a:off x="2019300" y="1584324"/>
-            <a:ext cx="617477" cy="369332"/>
+            <a:off x="6565430" y="5042380"/>
+            <a:ext cx="473206" cy="369332"/>
           </a:xfrm>
           <a:prstGeom prst="rect">
             <a:avLst/>
@@ -10475,18 +10375,23 @@
           <a:lstStyle/>
           <a:p>
             <a:r>
-              <a:rPr lang="fr-CH" dirty="0"/>
-              <a:t>œufs</a:t>
-            </a:r>
-          </a:p>
-        </p:txBody>
-      </p:sp>
-      <p:sp>
-        <p:nvSpPr>
-          <p:cNvPr id="34" name="ZoneTexte 33">
+              <a:rPr lang="fr-CH" dirty="0">
+                <a:solidFill>
+                  <a:srgbClr val="FF0000"/>
+                </a:solidFill>
+                <a:latin typeface="Freestyle Script" panose="030804020302050B0404" pitchFamily="66" charset="0"/>
+              </a:rPr>
+              <a:t>Trop</a:t>
+            </a:r>
+          </a:p>
+        </p:txBody>
+      </p:sp>
+      <p:sp>
+        <p:nvSpPr>
+          <p:cNvPr id="18" name="ZoneTexte 17">
             <a:extLst>
               <a:ext uri="{FF2B5EF4-FFF2-40B4-BE49-F238E27FC236}">
-                <a16:creationId xmlns:a16="http://schemas.microsoft.com/office/drawing/2014/main" id="{574B765C-9686-457E-ACD4-188FE0A9B504}"/>
+                <a16:creationId xmlns:a16="http://schemas.microsoft.com/office/drawing/2014/main" id="{786E29C1-9E9E-42BC-B4EC-00C5B01DCB9C}"/>
               </a:ext>
             </a:extLst>
           </p:cNvPr>
@@ -10495,8 +10400,8 @@
         </p:nvSpPr>
         <p:spPr>
           <a:xfrm>
-            <a:off x="1746090" y="3896520"/>
-            <a:ext cx="1420838" cy="369332"/>
+            <a:off x="9454298" y="4400150"/>
+            <a:ext cx="1374094" cy="369332"/>
           </a:xfrm>
           <a:prstGeom prst="rect">
             <a:avLst/>
@@ -10510,54 +10415,23 @@
           <a:lstStyle/>
           <a:p>
             <a:r>
-              <a:rPr lang="fr-CH" dirty="0"/>
-              <a:t>Vers de farine</a:t>
-            </a:r>
-          </a:p>
-        </p:txBody>
-      </p:sp>
-      <p:pic>
-        <p:nvPicPr>
-          <p:cNvPr id="36" name="Graphique 35" descr="Avertissement">
+              <a:rPr lang="fr-CH" dirty="0">
+                <a:solidFill>
+                  <a:srgbClr val="FF0000"/>
+                </a:solidFill>
+                <a:latin typeface="Freestyle Script" panose="030804020302050B0404" pitchFamily="66" charset="0"/>
+              </a:rPr>
+              <a:t>Non, car il fait nuit</a:t>
+            </a:r>
+          </a:p>
+        </p:txBody>
+      </p:sp>
+      <p:sp>
+        <p:nvSpPr>
+          <p:cNvPr id="19" name="ZoneTexte 18">
             <a:extLst>
               <a:ext uri="{FF2B5EF4-FFF2-40B4-BE49-F238E27FC236}">
-                <a16:creationId xmlns:a16="http://schemas.microsoft.com/office/drawing/2014/main" id="{81BF3664-93DD-4819-8348-8BCCA95E022E}"/>
-              </a:ext>
-            </a:extLst>
-          </p:cNvPr>
-          <p:cNvPicPr>
-            <a:picLocks noChangeAspect="1"/>
-          </p:cNvPicPr>
-          <p:nvPr/>
-        </p:nvPicPr>
-        <p:blipFill>
-          <a:blip r:embed="rId5">
-            <a:extLst>
-              <a:ext uri="{96DAC541-7B7A-43D3-8B79-37D633B846F1}">
-                <asvg:svgBlip xmlns:asvg="http://schemas.microsoft.com/office/drawing/2016/SVG/main" r:embed="rId6"/>
-              </a:ext>
-            </a:extLst>
-          </a:blip>
-          <a:stretch>
-            <a:fillRect/>
-          </a:stretch>
-        </p:blipFill>
-        <p:spPr>
-          <a:xfrm>
-            <a:off x="6621651" y="3559966"/>
-            <a:ext cx="1401174" cy="1401174"/>
-          </a:xfrm>
-          <a:prstGeom prst="rect">
-            <a:avLst/>
-          </a:prstGeom>
-        </p:spPr>
-      </p:pic>
-      <p:sp>
-        <p:nvSpPr>
-          <p:cNvPr id="37" name="ZoneTexte 36">
-            <a:extLst>
-              <a:ext uri="{FF2B5EF4-FFF2-40B4-BE49-F238E27FC236}">
-                <a16:creationId xmlns:a16="http://schemas.microsoft.com/office/drawing/2014/main" id="{448E7DA4-5B93-45E6-9475-C1E8C8D23A28}"/>
+                <a16:creationId xmlns:a16="http://schemas.microsoft.com/office/drawing/2014/main" id="{D1BB783D-A752-4611-8CD6-80A56AC2A43C}"/>
               </a:ext>
             </a:extLst>
           </p:cNvPr>
@@ -10566,8 +10440,8 @@
         </p:nvSpPr>
         <p:spPr>
           <a:xfrm>
-            <a:off x="8181288" y="3795106"/>
-            <a:ext cx="2577822" cy="369332"/>
+            <a:off x="9420103" y="4769482"/>
+            <a:ext cx="2247675" cy="369332"/>
           </a:xfrm>
           <a:prstGeom prst="rect">
             <a:avLst/>
@@ -10575,24 +10449,29 @@
           <a:noFill/>
         </p:spPr>
         <p:txBody>
-          <a:bodyPr wrap="none" rtlCol="0">
+          <a:bodyPr wrap="square" rtlCol="0">
             <a:spAutoFit/>
           </a:bodyPr>
           <a:lstStyle/>
           <a:p>
             <a:r>
-              <a:rPr lang="fr-CH" dirty="0"/>
-              <a:t>Température: 20°C – 25°C</a:t>
-            </a:r>
-          </a:p>
-        </p:txBody>
-      </p:sp>
-      <p:sp>
-        <p:nvSpPr>
-          <p:cNvPr id="38" name="ZoneTexte 37">
+              <a:rPr lang="fr-CH" dirty="0">
+                <a:solidFill>
+                  <a:srgbClr val="FF0000"/>
+                </a:solidFill>
+                <a:latin typeface="Freestyle Script" panose="030804020302050B0404" pitchFamily="66" charset="0"/>
+              </a:rPr>
+              <a:t>Oui, mesurer % surface des vers</a:t>
+            </a:r>
+          </a:p>
+        </p:txBody>
+      </p:sp>
+      <p:sp>
+        <p:nvSpPr>
+          <p:cNvPr id="20" name="ZoneTexte 19">
             <a:extLst>
               <a:ext uri="{FF2B5EF4-FFF2-40B4-BE49-F238E27FC236}">
-                <a16:creationId xmlns:a16="http://schemas.microsoft.com/office/drawing/2014/main" id="{3F776C1D-E8C7-494B-AC03-37D38A9CB531}"/>
+                <a16:creationId xmlns:a16="http://schemas.microsoft.com/office/drawing/2014/main" id="{2FFA6D13-6AC5-47E7-9075-5DF4CFA91F10}"/>
               </a:ext>
             </a:extLst>
           </p:cNvPr>
@@ -10601,8 +10480,8 @@
         </p:nvSpPr>
         <p:spPr>
           <a:xfrm>
-            <a:off x="8207159" y="4442679"/>
-            <a:ext cx="2146742" cy="369332"/>
+            <a:off x="9454298" y="4592239"/>
+            <a:ext cx="1624163" cy="369332"/>
           </a:xfrm>
           <a:prstGeom prst="rect">
             <a:avLst/>
@@ -10616,8 +10495,13 @@
           <a:lstStyle/>
           <a:p>
             <a:r>
-              <a:rPr lang="fr-CH" dirty="0"/>
-              <a:t>Humidité: 55% - 60%</a:t>
+              <a:rPr lang="fr-CH" dirty="0">
+                <a:solidFill>
+                  <a:srgbClr val="FF0000"/>
+                </a:solidFill>
+                <a:latin typeface="Freestyle Script" panose="030804020302050B0404" pitchFamily="66" charset="0"/>
+              </a:rPr>
+              <a:t>Oui, mesurer temp. bacs</a:t>
             </a:r>
           </a:p>
         </p:txBody>
@@ -10625,7 +10509,7 @@
     </p:spTree>
     <p:extLst>
       <p:ext uri="{BB962C8B-B14F-4D97-AF65-F5344CB8AC3E}">
-        <p14:creationId xmlns:p14="http://schemas.microsoft.com/office/powerpoint/2010/main" val="1682477784"/>
+        <p14:creationId xmlns:p14="http://schemas.microsoft.com/office/powerpoint/2010/main" val="787250313"/>
       </p:ext>
     </p:extLst>
   </p:cSld>
@@ -10657,7 +10541,7 @@
           <p:cNvPr id="2" name="Titre 1">
             <a:extLst>
               <a:ext uri="{FF2B5EF4-FFF2-40B4-BE49-F238E27FC236}">
-                <a16:creationId xmlns:a16="http://schemas.microsoft.com/office/drawing/2014/main" id="{4AEEBD7F-57A4-4B2C-95DE-899254841CBB}"/>
+                <a16:creationId xmlns:a16="http://schemas.microsoft.com/office/drawing/2014/main" id="{D2FECD65-AD87-4021-AEC2-CFAB1A1161D1}"/>
               </a:ext>
             </a:extLst>
           </p:cNvPr>
@@ -10675,17 +10559,17 @@
           <a:p>
             <a:r>
               <a:rPr lang="fr-CH" dirty="0"/>
-              <a:t>Cahier des charges</a:t>
-            </a:r>
-          </a:p>
-        </p:txBody>
-      </p:sp>
-      <p:sp>
-        <p:nvSpPr>
-          <p:cNvPr id="5" name="Espace réservé du contenu 4">
+              <a:t>Banc de test</a:t>
+            </a:r>
+          </a:p>
+        </p:txBody>
+      </p:sp>
+      <p:sp>
+        <p:nvSpPr>
+          <p:cNvPr id="3" name="Espace réservé du contenu 2">
             <a:extLst>
               <a:ext uri="{FF2B5EF4-FFF2-40B4-BE49-F238E27FC236}">
-                <a16:creationId xmlns:a16="http://schemas.microsoft.com/office/drawing/2014/main" id="{C729415C-9DC5-4EE1-9D5C-FAD2D6468FFE}"/>
+                <a16:creationId xmlns:a16="http://schemas.microsoft.com/office/drawing/2014/main" id="{8A04FF69-FA0A-4AA8-96D9-8866F2F2051C}"/>
               </a:ext>
             </a:extLst>
           </p:cNvPr>
@@ -10703,26 +10587,24 @@
           <a:p>
             <a:r>
               <a:rPr lang="fr-CH" dirty="0"/>
-              <a:t>Réalisation de diverses possibilités</a:t>
-            </a:r>
-          </a:p>
-          <a:p>
+              <a:t>Solution choisie</a:t>
+            </a:r>
+          </a:p>
+          <a:p>
+            <a:pPr lvl="1"/>
             <a:r>
               <a:rPr lang="fr-CH" dirty="0"/>
-              <a:t>Entretien avec le client</a:t>
-            </a:r>
-          </a:p>
-          <a:p>
-            <a:endParaRPr lang="fr-CH" dirty="0"/>
+              <a:t>Une armoire de culture avec 2 bacs </a:t>
+            </a:r>
           </a:p>
         </p:txBody>
       </p:sp>
       <p:pic>
         <p:nvPicPr>
-          <p:cNvPr id="6" name="Image 5">
+          <p:cNvPr id="4" name="Image 3">
             <a:extLst>
               <a:ext uri="{FF2B5EF4-FFF2-40B4-BE49-F238E27FC236}">
-                <a16:creationId xmlns:a16="http://schemas.microsoft.com/office/drawing/2014/main" id="{90FBFDB1-9BA0-426A-9A4E-4101D3133A05}"/>
+                <a16:creationId xmlns:a16="http://schemas.microsoft.com/office/drawing/2014/main" id="{F2A2E1FB-8B8E-4F87-87C7-BA0B6AB3CF75}"/>
               </a:ext>
             </a:extLst>
           </p:cNvPr>
@@ -10739,80 +10621,20 @@
         </p:blipFill>
         <p:spPr>
           <a:xfrm>
-            <a:off x="1320673" y="3694237"/>
-            <a:ext cx="2955423" cy="1801564"/>
+            <a:off x="1847851" y="3831697"/>
+            <a:ext cx="3695699" cy="1135311"/>
           </a:xfrm>
           <a:prstGeom prst="rect">
             <a:avLst/>
           </a:prstGeom>
         </p:spPr>
       </p:pic>
-      <p:pic>
-        <p:nvPicPr>
-          <p:cNvPr id="7" name="Image 6">
+      <p:sp>
+        <p:nvSpPr>
+          <p:cNvPr id="6" name="Espace réservé de la date 5">
             <a:extLst>
               <a:ext uri="{FF2B5EF4-FFF2-40B4-BE49-F238E27FC236}">
-                <a16:creationId xmlns:a16="http://schemas.microsoft.com/office/drawing/2014/main" id="{80410869-3A03-4CA2-BD44-1C84BF39C478}"/>
-              </a:ext>
-            </a:extLst>
-          </p:cNvPr>
-          <p:cNvPicPr>
-            <a:picLocks noChangeAspect="1"/>
-          </p:cNvPicPr>
-          <p:nvPr/>
-        </p:nvPicPr>
-        <p:blipFill>
-          <a:blip r:embed="rId3"/>
-          <a:stretch>
-            <a:fillRect/>
-          </a:stretch>
-        </p:blipFill>
-        <p:spPr>
-          <a:xfrm>
-            <a:off x="4470504" y="3933212"/>
-            <a:ext cx="2955423" cy="1484146"/>
-          </a:xfrm>
-          <a:prstGeom prst="rect">
-            <a:avLst/>
-          </a:prstGeom>
-        </p:spPr>
-      </p:pic>
-      <p:pic>
-        <p:nvPicPr>
-          <p:cNvPr id="8" name="Image 7">
-            <a:extLst>
-              <a:ext uri="{FF2B5EF4-FFF2-40B4-BE49-F238E27FC236}">
-                <a16:creationId xmlns:a16="http://schemas.microsoft.com/office/drawing/2014/main" id="{D92D52DC-B302-4FFC-A1A7-5E8B1D0E9674}"/>
-              </a:ext>
-            </a:extLst>
-          </p:cNvPr>
-          <p:cNvPicPr>
-            <a:picLocks noChangeAspect="1"/>
-          </p:cNvPicPr>
-          <p:nvPr/>
-        </p:nvPicPr>
-        <p:blipFill>
-          <a:blip r:embed="rId4"/>
-          <a:stretch>
-            <a:fillRect/>
-          </a:stretch>
-        </p:blipFill>
-        <p:spPr>
-          <a:xfrm>
-            <a:off x="7609014" y="4302080"/>
-            <a:ext cx="3262313" cy="757238"/>
-          </a:xfrm>
-          <a:prstGeom prst="rect">
-            <a:avLst/>
-          </a:prstGeom>
-        </p:spPr>
-      </p:pic>
-      <p:sp>
-        <p:nvSpPr>
-          <p:cNvPr id="10" name="Espace réservé de la date 9">
-            <a:extLst>
-              <a:ext uri="{FF2B5EF4-FFF2-40B4-BE49-F238E27FC236}">
-                <a16:creationId xmlns:a16="http://schemas.microsoft.com/office/drawing/2014/main" id="{A345277B-A36C-4B79-8571-3935894C7665}"/>
+                <a16:creationId xmlns:a16="http://schemas.microsoft.com/office/drawing/2014/main" id="{7A471EC2-B85B-4441-8ABC-7CF16E974552}"/>
               </a:ext>
             </a:extLst>
           </p:cNvPr>
@@ -10828,7 +10650,7 @@
           <a:bodyPr/>
           <a:lstStyle/>
           <a:p>
-            <a:fld id="{78C2C41E-A6A1-46F3-B7AE-2793C940EA86}" type="datetime1">
+            <a:fld id="{186CE96E-A946-416B-BE8E-907DBA45A3B9}" type="datetime1">
               <a:rPr lang="fr-CH" smtClean="0"/>
               <a:t>24.06.2020</a:t>
             </a:fld>
@@ -10838,10 +10660,10 @@
       </p:sp>
       <p:sp>
         <p:nvSpPr>
-          <p:cNvPr id="11" name="Espace réservé du numéro de diapositive 10">
+          <p:cNvPr id="7" name="Espace réservé du numéro de diapositive 6">
             <a:extLst>
               <a:ext uri="{FF2B5EF4-FFF2-40B4-BE49-F238E27FC236}">
-                <a16:creationId xmlns:a16="http://schemas.microsoft.com/office/drawing/2014/main" id="{3B973846-4AE0-48CA-A708-29B5F614E764}"/>
+                <a16:creationId xmlns:a16="http://schemas.microsoft.com/office/drawing/2014/main" id="{167D79FF-C910-4E48-9281-291930168015}"/>
               </a:ext>
             </a:extLst>
           </p:cNvPr>
@@ -10860,595 +10682,6 @@
             <a:fld id="{E97799C9-84D9-46D2-A11E-BCF8A720529D}" type="slidenum">
               <a:rPr lang="en-US" smtClean="0"/>
               <a:t>12</a:t>
-            </a:fld>
-            <a:endParaRPr lang="en-US" dirty="0"/>
-          </a:p>
-        </p:txBody>
-      </p:sp>
-      <p:sp>
-        <p:nvSpPr>
-          <p:cNvPr id="12" name="ZoneTexte 11">
-            <a:extLst>
-              <a:ext uri="{FF2B5EF4-FFF2-40B4-BE49-F238E27FC236}">
-                <a16:creationId xmlns:a16="http://schemas.microsoft.com/office/drawing/2014/main" id="{4F10DE22-136E-4CF7-BBD7-EA65309E053B}"/>
-              </a:ext>
-            </a:extLst>
-          </p:cNvPr>
-          <p:cNvSpPr txBox="1"/>
-          <p:nvPr/>
-        </p:nvSpPr>
-        <p:spPr>
-          <a:xfrm>
-            <a:off x="3139948" y="3862820"/>
-            <a:ext cx="963725" cy="369332"/>
-          </a:xfrm>
-          <a:prstGeom prst="rect">
-            <a:avLst/>
-          </a:prstGeom>
-          <a:noFill/>
-        </p:spPr>
-        <p:txBody>
-          <a:bodyPr wrap="none" rtlCol="0">
-            <a:spAutoFit/>
-          </a:bodyPr>
-          <a:lstStyle/>
-          <a:p>
-            <a:r>
-              <a:rPr lang="fr-CH" dirty="0">
-                <a:solidFill>
-                  <a:srgbClr val="FF0000"/>
-                </a:solidFill>
-                <a:latin typeface="Freestyle Script" panose="030804020302050B0404" pitchFamily="66" charset="0"/>
-              </a:rPr>
-              <a:t>Pas suffisant</a:t>
-            </a:r>
-          </a:p>
-        </p:txBody>
-      </p:sp>
-      <p:sp>
-        <p:nvSpPr>
-          <p:cNvPr id="13" name="ZoneTexte 12">
-            <a:extLst>
-              <a:ext uri="{FF2B5EF4-FFF2-40B4-BE49-F238E27FC236}">
-                <a16:creationId xmlns:a16="http://schemas.microsoft.com/office/drawing/2014/main" id="{4FD3D0E9-F545-4072-AB49-0699F75180C8}"/>
-              </a:ext>
-            </a:extLst>
-          </p:cNvPr>
-          <p:cNvSpPr txBox="1"/>
-          <p:nvPr/>
-        </p:nvSpPr>
-        <p:spPr>
-          <a:xfrm>
-            <a:off x="3049377" y="4127100"/>
-            <a:ext cx="1144865" cy="646331"/>
-          </a:xfrm>
-          <a:prstGeom prst="rect">
-            <a:avLst/>
-          </a:prstGeom>
-          <a:noFill/>
-        </p:spPr>
-        <p:txBody>
-          <a:bodyPr wrap="none" rtlCol="0">
-            <a:spAutoFit/>
-          </a:bodyPr>
-          <a:lstStyle/>
-          <a:p>
-            <a:r>
-              <a:rPr lang="fr-CH" dirty="0">
-                <a:solidFill>
-                  <a:srgbClr val="FF0000"/>
-                </a:solidFill>
-                <a:latin typeface="Freestyle Script" panose="030804020302050B0404" pitchFamily="66" charset="0"/>
-              </a:rPr>
-              <a:t>Oui, un en haut </a:t>
-            </a:r>
-          </a:p>
-          <a:p>
-            <a:r>
-              <a:rPr lang="fr-CH" dirty="0">
-                <a:solidFill>
-                  <a:srgbClr val="FF0000"/>
-                </a:solidFill>
-                <a:latin typeface="Freestyle Script" panose="030804020302050B0404" pitchFamily="66" charset="0"/>
-              </a:rPr>
-              <a:t>et un en bas</a:t>
-            </a:r>
-          </a:p>
-        </p:txBody>
-      </p:sp>
-      <p:sp>
-        <p:nvSpPr>
-          <p:cNvPr id="14" name="ZoneTexte 13">
-            <a:extLst>
-              <a:ext uri="{FF2B5EF4-FFF2-40B4-BE49-F238E27FC236}">
-                <a16:creationId xmlns:a16="http://schemas.microsoft.com/office/drawing/2014/main" id="{5ABA50E8-B8AD-4FAA-82E7-DA4BFC3F8D26}"/>
-              </a:ext>
-            </a:extLst>
-          </p:cNvPr>
-          <p:cNvSpPr txBox="1"/>
-          <p:nvPr/>
-        </p:nvSpPr>
-        <p:spPr>
-          <a:xfrm>
-            <a:off x="3130328" y="4705086"/>
-            <a:ext cx="982961" cy="923330"/>
-          </a:xfrm>
-          <a:prstGeom prst="rect">
-            <a:avLst/>
-          </a:prstGeom>
-          <a:solidFill>
-            <a:schemeClr val="bg1"/>
-          </a:solidFill>
-        </p:spPr>
-        <p:txBody>
-          <a:bodyPr wrap="none" rtlCol="0">
-            <a:spAutoFit/>
-          </a:bodyPr>
-          <a:lstStyle/>
-          <a:p>
-            <a:r>
-              <a:rPr lang="fr-CH" dirty="0">
-                <a:solidFill>
-                  <a:srgbClr val="FF0000"/>
-                </a:solidFill>
-                <a:latin typeface="Freestyle Script" panose="030804020302050B0404" pitchFamily="66" charset="0"/>
-              </a:rPr>
-              <a:t>Non, rien de </a:t>
-            </a:r>
-          </a:p>
-          <a:p>
-            <a:r>
-              <a:rPr lang="fr-CH" dirty="0">
-                <a:solidFill>
-                  <a:srgbClr val="FF0000"/>
-                </a:solidFill>
-                <a:latin typeface="Freestyle Script" panose="030804020302050B0404" pitchFamily="66" charset="0"/>
-              </a:rPr>
-              <a:t>planté dans </a:t>
-            </a:r>
-          </a:p>
-          <a:p>
-            <a:r>
-              <a:rPr lang="fr-CH" dirty="0">
-                <a:solidFill>
-                  <a:srgbClr val="FF0000"/>
-                </a:solidFill>
-                <a:latin typeface="Freestyle Script" panose="030804020302050B0404" pitchFamily="66" charset="0"/>
-              </a:rPr>
-              <a:t>les bacs</a:t>
-            </a:r>
-          </a:p>
-        </p:txBody>
-      </p:sp>
-      <p:sp>
-        <p:nvSpPr>
-          <p:cNvPr id="15" name="ZoneTexte 14">
-            <a:extLst>
-              <a:ext uri="{FF2B5EF4-FFF2-40B4-BE49-F238E27FC236}">
-                <a16:creationId xmlns:a16="http://schemas.microsoft.com/office/drawing/2014/main" id="{E785B20A-1A71-4B19-901E-BFC92BEB6E6B}"/>
-              </a:ext>
-            </a:extLst>
-          </p:cNvPr>
-          <p:cNvSpPr txBox="1"/>
-          <p:nvPr/>
-        </p:nvSpPr>
-        <p:spPr>
-          <a:xfrm>
-            <a:off x="6152869" y="4130574"/>
-            <a:ext cx="1273058" cy="646331"/>
-          </a:xfrm>
-          <a:prstGeom prst="rect">
-            <a:avLst/>
-          </a:prstGeom>
-          <a:solidFill>
-            <a:schemeClr val="bg1"/>
-          </a:solidFill>
-        </p:spPr>
-        <p:txBody>
-          <a:bodyPr wrap="square" rtlCol="0">
-            <a:spAutoFit/>
-          </a:bodyPr>
-          <a:lstStyle/>
-          <a:p>
-            <a:r>
-              <a:rPr lang="fr-CH" dirty="0">
-                <a:solidFill>
-                  <a:srgbClr val="FF0000"/>
-                </a:solidFill>
-                <a:latin typeface="Freestyle Script" panose="030804020302050B0404" pitchFamily="66" charset="0"/>
-              </a:rPr>
-              <a:t>Non, rien dans </a:t>
-            </a:r>
-          </a:p>
-          <a:p>
-            <a:r>
-              <a:rPr lang="fr-CH" dirty="0">
-                <a:solidFill>
-                  <a:srgbClr val="FF0000"/>
-                </a:solidFill>
-                <a:latin typeface="Freestyle Script" panose="030804020302050B0404" pitchFamily="66" charset="0"/>
-              </a:rPr>
-              <a:t>les bacs</a:t>
-            </a:r>
-          </a:p>
-        </p:txBody>
-      </p:sp>
-      <p:sp>
-        <p:nvSpPr>
-          <p:cNvPr id="16" name="ZoneTexte 15">
-            <a:extLst>
-              <a:ext uri="{FF2B5EF4-FFF2-40B4-BE49-F238E27FC236}">
-                <a16:creationId xmlns:a16="http://schemas.microsoft.com/office/drawing/2014/main" id="{32C5CC94-077E-49B8-B713-A88E663241A5}"/>
-              </a:ext>
-            </a:extLst>
-          </p:cNvPr>
-          <p:cNvSpPr txBox="1"/>
-          <p:nvPr/>
-        </p:nvSpPr>
-        <p:spPr>
-          <a:xfrm>
-            <a:off x="6448920" y="4689986"/>
-            <a:ext cx="718466" cy="369332"/>
-          </a:xfrm>
-          <a:prstGeom prst="rect">
-            <a:avLst/>
-          </a:prstGeom>
-          <a:noFill/>
-        </p:spPr>
-        <p:txBody>
-          <a:bodyPr wrap="none" rtlCol="0">
-            <a:spAutoFit/>
-          </a:bodyPr>
-          <a:lstStyle/>
-          <a:p>
-            <a:r>
-              <a:rPr lang="fr-CH" dirty="0">
-                <a:solidFill>
-                  <a:srgbClr val="FF0000"/>
-                </a:solidFill>
-                <a:latin typeface="Freestyle Script" panose="030804020302050B0404" pitchFamily="66" charset="0"/>
-              </a:rPr>
-              <a:t>Suffisant</a:t>
-            </a:r>
-          </a:p>
-        </p:txBody>
-      </p:sp>
-      <p:sp>
-        <p:nvSpPr>
-          <p:cNvPr id="17" name="ZoneTexte 16">
-            <a:extLst>
-              <a:ext uri="{FF2B5EF4-FFF2-40B4-BE49-F238E27FC236}">
-                <a16:creationId xmlns:a16="http://schemas.microsoft.com/office/drawing/2014/main" id="{856A4BB7-B13C-4326-9234-21DFE1802072}"/>
-              </a:ext>
-            </a:extLst>
-          </p:cNvPr>
-          <p:cNvSpPr txBox="1"/>
-          <p:nvPr/>
-        </p:nvSpPr>
-        <p:spPr>
-          <a:xfrm>
-            <a:off x="6565430" y="5042380"/>
-            <a:ext cx="473206" cy="369332"/>
-          </a:xfrm>
-          <a:prstGeom prst="rect">
-            <a:avLst/>
-          </a:prstGeom>
-          <a:noFill/>
-        </p:spPr>
-        <p:txBody>
-          <a:bodyPr wrap="none" rtlCol="0">
-            <a:spAutoFit/>
-          </a:bodyPr>
-          <a:lstStyle/>
-          <a:p>
-            <a:r>
-              <a:rPr lang="fr-CH" dirty="0">
-                <a:solidFill>
-                  <a:srgbClr val="FF0000"/>
-                </a:solidFill>
-                <a:latin typeface="Freestyle Script" panose="030804020302050B0404" pitchFamily="66" charset="0"/>
-              </a:rPr>
-              <a:t>Trop</a:t>
-            </a:r>
-          </a:p>
-        </p:txBody>
-      </p:sp>
-      <p:sp>
-        <p:nvSpPr>
-          <p:cNvPr id="18" name="ZoneTexte 17">
-            <a:extLst>
-              <a:ext uri="{FF2B5EF4-FFF2-40B4-BE49-F238E27FC236}">
-                <a16:creationId xmlns:a16="http://schemas.microsoft.com/office/drawing/2014/main" id="{786E29C1-9E9E-42BC-B4EC-00C5B01DCB9C}"/>
-              </a:ext>
-            </a:extLst>
-          </p:cNvPr>
-          <p:cNvSpPr txBox="1"/>
-          <p:nvPr/>
-        </p:nvSpPr>
-        <p:spPr>
-          <a:xfrm>
-            <a:off x="9454298" y="4400150"/>
-            <a:ext cx="1374094" cy="369332"/>
-          </a:xfrm>
-          <a:prstGeom prst="rect">
-            <a:avLst/>
-          </a:prstGeom>
-          <a:noFill/>
-        </p:spPr>
-        <p:txBody>
-          <a:bodyPr wrap="none" rtlCol="0">
-            <a:spAutoFit/>
-          </a:bodyPr>
-          <a:lstStyle/>
-          <a:p>
-            <a:r>
-              <a:rPr lang="fr-CH" dirty="0">
-                <a:solidFill>
-                  <a:srgbClr val="FF0000"/>
-                </a:solidFill>
-                <a:latin typeface="Freestyle Script" panose="030804020302050B0404" pitchFamily="66" charset="0"/>
-              </a:rPr>
-              <a:t>Non, car il fait nuit</a:t>
-            </a:r>
-          </a:p>
-        </p:txBody>
-      </p:sp>
-      <p:sp>
-        <p:nvSpPr>
-          <p:cNvPr id="19" name="ZoneTexte 18">
-            <a:extLst>
-              <a:ext uri="{FF2B5EF4-FFF2-40B4-BE49-F238E27FC236}">
-                <a16:creationId xmlns:a16="http://schemas.microsoft.com/office/drawing/2014/main" id="{D1BB783D-A752-4611-8CD6-80A56AC2A43C}"/>
-              </a:ext>
-            </a:extLst>
-          </p:cNvPr>
-          <p:cNvSpPr txBox="1"/>
-          <p:nvPr/>
-        </p:nvSpPr>
-        <p:spPr>
-          <a:xfrm>
-            <a:off x="9477600" y="4597653"/>
-            <a:ext cx="2247675" cy="369332"/>
-          </a:xfrm>
-          <a:prstGeom prst="rect">
-            <a:avLst/>
-          </a:prstGeom>
-          <a:noFill/>
-        </p:spPr>
-        <p:txBody>
-          <a:bodyPr wrap="square" rtlCol="0">
-            <a:spAutoFit/>
-          </a:bodyPr>
-          <a:lstStyle/>
-          <a:p>
-            <a:r>
-              <a:rPr lang="fr-CH" dirty="0">
-                <a:solidFill>
-                  <a:srgbClr val="FF0000"/>
-                </a:solidFill>
-                <a:latin typeface="Freestyle Script" panose="030804020302050B0404" pitchFamily="66" charset="0"/>
-              </a:rPr>
-              <a:t>Oui, mesurer % surface des vers</a:t>
-            </a:r>
-          </a:p>
-        </p:txBody>
-      </p:sp>
-      <p:sp>
-        <p:nvSpPr>
-          <p:cNvPr id="20" name="ZoneTexte 19">
-            <a:extLst>
-              <a:ext uri="{FF2B5EF4-FFF2-40B4-BE49-F238E27FC236}">
-                <a16:creationId xmlns:a16="http://schemas.microsoft.com/office/drawing/2014/main" id="{2FFA6D13-6AC5-47E7-9075-5DF4CFA91F10}"/>
-              </a:ext>
-            </a:extLst>
-          </p:cNvPr>
-          <p:cNvSpPr txBox="1"/>
-          <p:nvPr/>
-        </p:nvSpPr>
-        <p:spPr>
-          <a:xfrm>
-            <a:off x="9465619" y="4797940"/>
-            <a:ext cx="1624163" cy="369332"/>
-          </a:xfrm>
-          <a:prstGeom prst="rect">
-            <a:avLst/>
-          </a:prstGeom>
-          <a:noFill/>
-        </p:spPr>
-        <p:txBody>
-          <a:bodyPr wrap="none" rtlCol="0">
-            <a:spAutoFit/>
-          </a:bodyPr>
-          <a:lstStyle/>
-          <a:p>
-            <a:r>
-              <a:rPr lang="fr-CH" dirty="0">
-                <a:solidFill>
-                  <a:srgbClr val="FF0000"/>
-                </a:solidFill>
-                <a:latin typeface="Freestyle Script" panose="030804020302050B0404" pitchFamily="66" charset="0"/>
-              </a:rPr>
-              <a:t>Oui, mesurer temp. bacs</a:t>
-            </a:r>
-          </a:p>
-        </p:txBody>
-      </p:sp>
-    </p:spTree>
-    <p:extLst>
-      <p:ext uri="{BB962C8B-B14F-4D97-AF65-F5344CB8AC3E}">
-        <p14:creationId xmlns:p14="http://schemas.microsoft.com/office/powerpoint/2010/main" val="787250313"/>
-      </p:ext>
-    </p:extLst>
-  </p:cSld>
-  <p:clrMapOvr>
-    <a:masterClrMapping/>
-  </p:clrMapOvr>
-</p:sld>
-</file>
-
-<file path=ppt/slides/slide13.xml><?xml version="1.0" encoding="utf-8"?>
-<p:sld xmlns:a="http://schemas.openxmlformats.org/drawingml/2006/main" xmlns:r="http://schemas.openxmlformats.org/officeDocument/2006/relationships" xmlns:p="http://schemas.openxmlformats.org/presentationml/2006/main">
-  <p:cSld>
-    <p:spTree>
-      <p:nvGrpSpPr>
-        <p:cNvPr id="1" name=""/>
-        <p:cNvGrpSpPr/>
-        <p:nvPr/>
-      </p:nvGrpSpPr>
-      <p:grpSpPr>
-        <a:xfrm>
-          <a:off x="0" y="0"/>
-          <a:ext cx="0" cy="0"/>
-          <a:chOff x="0" y="0"/>
-          <a:chExt cx="0" cy="0"/>
-        </a:xfrm>
-      </p:grpSpPr>
-      <p:sp>
-        <p:nvSpPr>
-          <p:cNvPr id="2" name="Titre 1">
-            <a:extLst>
-              <a:ext uri="{FF2B5EF4-FFF2-40B4-BE49-F238E27FC236}">
-                <a16:creationId xmlns:a16="http://schemas.microsoft.com/office/drawing/2014/main" id="{D2FECD65-AD87-4021-AEC2-CFAB1A1161D1}"/>
-              </a:ext>
-            </a:extLst>
-          </p:cNvPr>
-          <p:cNvSpPr>
-            <a:spLocks noGrp="1"/>
-          </p:cNvSpPr>
-          <p:nvPr>
-            <p:ph type="title"/>
-          </p:nvPr>
-        </p:nvSpPr>
-        <p:spPr/>
-        <p:txBody>
-          <a:bodyPr/>
-          <a:lstStyle/>
-          <a:p>
-            <a:r>
-              <a:rPr lang="fr-CH" dirty="0"/>
-              <a:t>Banc de test</a:t>
-            </a:r>
-          </a:p>
-        </p:txBody>
-      </p:sp>
-      <p:sp>
-        <p:nvSpPr>
-          <p:cNvPr id="3" name="Espace réservé du contenu 2">
-            <a:extLst>
-              <a:ext uri="{FF2B5EF4-FFF2-40B4-BE49-F238E27FC236}">
-                <a16:creationId xmlns:a16="http://schemas.microsoft.com/office/drawing/2014/main" id="{8A04FF69-FA0A-4AA8-96D9-8866F2F2051C}"/>
-              </a:ext>
-            </a:extLst>
-          </p:cNvPr>
-          <p:cNvSpPr>
-            <a:spLocks noGrp="1"/>
-          </p:cNvSpPr>
-          <p:nvPr>
-            <p:ph idx="1"/>
-          </p:nvPr>
-        </p:nvSpPr>
-        <p:spPr/>
-        <p:txBody>
-          <a:bodyPr/>
-          <a:lstStyle/>
-          <a:p>
-            <a:r>
-              <a:rPr lang="fr-CH" dirty="0"/>
-              <a:t>Solution choisie</a:t>
-            </a:r>
-          </a:p>
-          <a:p>
-            <a:pPr lvl="1"/>
-            <a:r>
-              <a:rPr lang="fr-CH" dirty="0"/>
-              <a:t>Une armoire de culture avec 2 bacs </a:t>
-            </a:r>
-          </a:p>
-        </p:txBody>
-      </p:sp>
-      <p:pic>
-        <p:nvPicPr>
-          <p:cNvPr id="4" name="Image 3">
-            <a:extLst>
-              <a:ext uri="{FF2B5EF4-FFF2-40B4-BE49-F238E27FC236}">
-                <a16:creationId xmlns:a16="http://schemas.microsoft.com/office/drawing/2014/main" id="{F2A2E1FB-8B8E-4F87-87C7-BA0B6AB3CF75}"/>
-              </a:ext>
-            </a:extLst>
-          </p:cNvPr>
-          <p:cNvPicPr>
-            <a:picLocks noChangeAspect="1"/>
-          </p:cNvPicPr>
-          <p:nvPr/>
-        </p:nvPicPr>
-        <p:blipFill>
-          <a:blip r:embed="rId2"/>
-          <a:stretch>
-            <a:fillRect/>
-          </a:stretch>
-        </p:blipFill>
-        <p:spPr>
-          <a:xfrm>
-            <a:off x="1847851" y="3831697"/>
-            <a:ext cx="3695699" cy="1135311"/>
-          </a:xfrm>
-          <a:prstGeom prst="rect">
-            <a:avLst/>
-          </a:prstGeom>
-        </p:spPr>
-      </p:pic>
-      <p:sp>
-        <p:nvSpPr>
-          <p:cNvPr id="6" name="Espace réservé de la date 5">
-            <a:extLst>
-              <a:ext uri="{FF2B5EF4-FFF2-40B4-BE49-F238E27FC236}">
-                <a16:creationId xmlns:a16="http://schemas.microsoft.com/office/drawing/2014/main" id="{7A471EC2-B85B-4441-8ABC-7CF16E974552}"/>
-              </a:ext>
-            </a:extLst>
-          </p:cNvPr>
-          <p:cNvSpPr>
-            <a:spLocks noGrp="1"/>
-          </p:cNvSpPr>
-          <p:nvPr>
-            <p:ph type="dt" sz="half" idx="10"/>
-          </p:nvPr>
-        </p:nvSpPr>
-        <p:spPr/>
-        <p:txBody>
-          <a:bodyPr/>
-          <a:lstStyle/>
-          <a:p>
-            <a:fld id="{186CE96E-A946-416B-BE8E-907DBA45A3B9}" type="datetime1">
-              <a:rPr lang="fr-CH" smtClean="0"/>
-              <a:t>24.06.2020</a:t>
-            </a:fld>
-            <a:endParaRPr lang="en-US" dirty="0"/>
-          </a:p>
-        </p:txBody>
-      </p:sp>
-      <p:sp>
-        <p:nvSpPr>
-          <p:cNvPr id="7" name="Espace réservé du numéro de diapositive 6">
-            <a:extLst>
-              <a:ext uri="{FF2B5EF4-FFF2-40B4-BE49-F238E27FC236}">
-                <a16:creationId xmlns:a16="http://schemas.microsoft.com/office/drawing/2014/main" id="{167D79FF-C910-4E48-9281-291930168015}"/>
-              </a:ext>
-            </a:extLst>
-          </p:cNvPr>
-          <p:cNvSpPr>
-            <a:spLocks noGrp="1"/>
-          </p:cNvSpPr>
-          <p:nvPr>
-            <p:ph type="sldNum" sz="quarter" idx="12"/>
-          </p:nvPr>
-        </p:nvSpPr>
-        <p:spPr/>
-        <p:txBody>
-          <a:bodyPr/>
-          <a:lstStyle/>
-          <a:p>
-            <a:fld id="{E97799C9-84D9-46D2-A11E-BCF8A720529D}" type="slidenum">
-              <a:rPr lang="en-US" smtClean="0"/>
-              <a:t>13</a:t>
             </a:fld>
             <a:endParaRPr lang="en-US" dirty="0"/>
           </a:p>
@@ -11925,6 +11158,624 @@
           </a:p>
         </p:txBody>
       </p:sp>
+      <p:sp>
+        <p:nvSpPr>
+          <p:cNvPr id="19" name="Rectangle 18">
+            <a:extLst>
+              <a:ext uri="{FF2B5EF4-FFF2-40B4-BE49-F238E27FC236}">
+                <a16:creationId xmlns:a16="http://schemas.microsoft.com/office/drawing/2014/main" id="{9E77469B-2AB4-4B01-8694-7D7D32C2FCC7}"/>
+              </a:ext>
+            </a:extLst>
+          </p:cNvPr>
+          <p:cNvSpPr/>
+          <p:nvPr/>
+        </p:nvSpPr>
+        <p:spPr>
+          <a:xfrm>
+            <a:off x="6886575" y="4967008"/>
+            <a:ext cx="697667" cy="1135311"/>
+          </a:xfrm>
+          <a:prstGeom prst="rect">
+            <a:avLst/>
+          </a:prstGeom>
+        </p:spPr>
+        <p:style>
+          <a:lnRef idx="2">
+            <a:schemeClr val="accent1">
+              <a:shade val="50000"/>
+            </a:schemeClr>
+          </a:lnRef>
+          <a:fillRef idx="1">
+            <a:schemeClr val="accent1"/>
+          </a:fillRef>
+          <a:effectRef idx="0">
+            <a:schemeClr val="accent1"/>
+          </a:effectRef>
+          <a:fontRef idx="minor">
+            <a:schemeClr val="lt1"/>
+          </a:fontRef>
+        </p:style>
+        <p:txBody>
+          <a:bodyPr rtlCol="0" anchor="ctr"/>
+          <a:lstStyle/>
+          <a:p>
+            <a:pPr algn="ctr"/>
+            <a:endParaRPr lang="fr-CH"/>
+          </a:p>
+        </p:txBody>
+      </p:sp>
+      <p:sp>
+        <p:nvSpPr>
+          <p:cNvPr id="20" name="Rectangle 19">
+            <a:extLst>
+              <a:ext uri="{FF2B5EF4-FFF2-40B4-BE49-F238E27FC236}">
+                <a16:creationId xmlns:a16="http://schemas.microsoft.com/office/drawing/2014/main" id="{03278C26-C1F0-444C-8F30-E207A5C10BCF}"/>
+              </a:ext>
+            </a:extLst>
+          </p:cNvPr>
+          <p:cNvSpPr/>
+          <p:nvPr/>
+        </p:nvSpPr>
+        <p:spPr>
+          <a:xfrm>
+            <a:off x="7631867" y="4967008"/>
+            <a:ext cx="697667" cy="1135311"/>
+          </a:xfrm>
+          <a:prstGeom prst="rect">
+            <a:avLst/>
+          </a:prstGeom>
+        </p:spPr>
+        <p:style>
+          <a:lnRef idx="2">
+            <a:schemeClr val="accent1">
+              <a:shade val="50000"/>
+            </a:schemeClr>
+          </a:lnRef>
+          <a:fillRef idx="1">
+            <a:schemeClr val="accent1"/>
+          </a:fillRef>
+          <a:effectRef idx="0">
+            <a:schemeClr val="accent1"/>
+          </a:effectRef>
+          <a:fontRef idx="minor">
+            <a:schemeClr val="lt1"/>
+          </a:fontRef>
+        </p:style>
+        <p:txBody>
+          <a:bodyPr rtlCol="0" anchor="ctr"/>
+          <a:lstStyle/>
+          <a:p>
+            <a:pPr algn="ctr"/>
+            <a:endParaRPr lang="fr-CH"/>
+          </a:p>
+        </p:txBody>
+      </p:sp>
+      <p:sp>
+        <p:nvSpPr>
+          <p:cNvPr id="21" name="Rectangle 20">
+            <a:extLst>
+              <a:ext uri="{FF2B5EF4-FFF2-40B4-BE49-F238E27FC236}">
+                <a16:creationId xmlns:a16="http://schemas.microsoft.com/office/drawing/2014/main" id="{7EDD2BAA-354D-4551-AA94-2B08768A4B4F}"/>
+              </a:ext>
+            </a:extLst>
+          </p:cNvPr>
+          <p:cNvSpPr/>
+          <p:nvPr/>
+        </p:nvSpPr>
+        <p:spPr>
+          <a:xfrm>
+            <a:off x="8841994" y="4191717"/>
+            <a:ext cx="217131" cy="335395"/>
+          </a:xfrm>
+          <a:prstGeom prst="rect">
+            <a:avLst/>
+          </a:prstGeom>
+        </p:spPr>
+        <p:style>
+          <a:lnRef idx="2">
+            <a:schemeClr val="accent1">
+              <a:shade val="50000"/>
+            </a:schemeClr>
+          </a:lnRef>
+          <a:fillRef idx="1">
+            <a:schemeClr val="accent1"/>
+          </a:fillRef>
+          <a:effectRef idx="0">
+            <a:schemeClr val="accent1"/>
+          </a:effectRef>
+          <a:fontRef idx="minor">
+            <a:schemeClr val="lt1"/>
+          </a:fontRef>
+        </p:style>
+        <p:txBody>
+          <a:bodyPr rtlCol="0" anchor="ctr"/>
+          <a:lstStyle/>
+          <a:p>
+            <a:pPr algn="ctr"/>
+            <a:endParaRPr lang="fr-CH"/>
+          </a:p>
+        </p:txBody>
+      </p:sp>
+      <p:sp>
+        <p:nvSpPr>
+          <p:cNvPr id="22" name="ZoneTexte 21">
+            <a:extLst>
+              <a:ext uri="{FF2B5EF4-FFF2-40B4-BE49-F238E27FC236}">
+                <a16:creationId xmlns:a16="http://schemas.microsoft.com/office/drawing/2014/main" id="{7C540044-9EE7-4B27-B573-FE25B862A664}"/>
+              </a:ext>
+            </a:extLst>
+          </p:cNvPr>
+          <p:cNvSpPr txBox="1"/>
+          <p:nvPr/>
+        </p:nvSpPr>
+        <p:spPr>
+          <a:xfrm>
+            <a:off x="9063720" y="4170837"/>
+            <a:ext cx="1146468" cy="276999"/>
+          </a:xfrm>
+          <a:prstGeom prst="rect">
+            <a:avLst/>
+          </a:prstGeom>
+          <a:noFill/>
+        </p:spPr>
+        <p:txBody>
+          <a:bodyPr wrap="none" rtlCol="0">
+            <a:spAutoFit/>
+          </a:bodyPr>
+          <a:lstStyle/>
+          <a:p>
+            <a:r>
+              <a:rPr lang="fr-CH" sz="1200" dirty="0"/>
+              <a:t>Bacs de cultures</a:t>
+            </a:r>
+          </a:p>
+        </p:txBody>
+      </p:sp>
+      <p:sp>
+        <p:nvSpPr>
+          <p:cNvPr id="23" name="Arc 22">
+            <a:extLst>
+              <a:ext uri="{FF2B5EF4-FFF2-40B4-BE49-F238E27FC236}">
+                <a16:creationId xmlns:a16="http://schemas.microsoft.com/office/drawing/2014/main" id="{6758501E-D86B-496D-9810-FB0C8E70AAA3}"/>
+              </a:ext>
+            </a:extLst>
+          </p:cNvPr>
+          <p:cNvSpPr/>
+          <p:nvPr/>
+        </p:nvSpPr>
+        <p:spPr>
+          <a:xfrm rot="5400000">
+            <a:off x="7036887" y="4524771"/>
+            <a:ext cx="1371913" cy="914400"/>
+          </a:xfrm>
+          <a:prstGeom prst="arc">
+            <a:avLst>
+              <a:gd name="adj1" fmla="val 11524817"/>
+              <a:gd name="adj2" fmla="val 20488164"/>
+            </a:avLst>
+          </a:prstGeom>
+          <a:noFill/>
+          <a:ln>
+            <a:solidFill>
+              <a:schemeClr val="tx1"/>
+            </a:solidFill>
+          </a:ln>
+        </p:spPr>
+        <p:style>
+          <a:lnRef idx="1">
+            <a:schemeClr val="accent1"/>
+          </a:lnRef>
+          <a:fillRef idx="0">
+            <a:schemeClr val="accent1"/>
+          </a:fillRef>
+          <a:effectRef idx="0">
+            <a:schemeClr val="accent1"/>
+          </a:effectRef>
+          <a:fontRef idx="minor">
+            <a:schemeClr val="tx1"/>
+          </a:fontRef>
+        </p:style>
+        <p:txBody>
+          <a:bodyPr rtlCol="0" anchor="ctr"/>
+          <a:lstStyle/>
+          <a:p>
+            <a:pPr algn="ctr"/>
+            <a:endParaRPr lang="fr-CH"/>
+          </a:p>
+        </p:txBody>
+      </p:sp>
+      <p:sp>
+        <p:nvSpPr>
+          <p:cNvPr id="24" name="Arc 23">
+            <a:extLst>
+              <a:ext uri="{FF2B5EF4-FFF2-40B4-BE49-F238E27FC236}">
+                <a16:creationId xmlns:a16="http://schemas.microsoft.com/office/drawing/2014/main" id="{A7B7246D-E01B-426E-AD3E-D9835E5AC305}"/>
+              </a:ext>
+            </a:extLst>
+          </p:cNvPr>
+          <p:cNvSpPr/>
+          <p:nvPr/>
+        </p:nvSpPr>
+        <p:spPr>
+          <a:xfrm rot="16200000">
+            <a:off x="6765504" y="4498024"/>
+            <a:ext cx="1371913" cy="914400"/>
+          </a:xfrm>
+          <a:prstGeom prst="arc">
+            <a:avLst>
+              <a:gd name="adj1" fmla="val 11524817"/>
+              <a:gd name="adj2" fmla="val 20488164"/>
+            </a:avLst>
+          </a:prstGeom>
+          <a:noFill/>
+          <a:ln>
+            <a:solidFill>
+              <a:schemeClr val="tx1"/>
+            </a:solidFill>
+          </a:ln>
+        </p:spPr>
+        <p:style>
+          <a:lnRef idx="1">
+            <a:schemeClr val="accent1"/>
+          </a:lnRef>
+          <a:fillRef idx="0">
+            <a:schemeClr val="accent1"/>
+          </a:fillRef>
+          <a:effectRef idx="0">
+            <a:schemeClr val="accent1"/>
+          </a:effectRef>
+          <a:fontRef idx="minor">
+            <a:schemeClr val="tx1"/>
+          </a:fontRef>
+        </p:style>
+        <p:txBody>
+          <a:bodyPr rtlCol="0" anchor="ctr"/>
+          <a:lstStyle/>
+          <a:p>
+            <a:pPr algn="ctr"/>
+            <a:endParaRPr lang="fr-CH"/>
+          </a:p>
+        </p:txBody>
+      </p:sp>
+      <p:cxnSp>
+        <p:nvCxnSpPr>
+          <p:cNvPr id="26" name="Connecteur droit avec flèche 25">
+            <a:extLst>
+              <a:ext uri="{FF2B5EF4-FFF2-40B4-BE49-F238E27FC236}">
+                <a16:creationId xmlns:a16="http://schemas.microsoft.com/office/drawing/2014/main" id="{4B179030-C394-47DB-B957-08880B6EAD09}"/>
+              </a:ext>
+            </a:extLst>
+          </p:cNvPr>
+          <p:cNvCxnSpPr>
+            <a:cxnSpLocks/>
+            <a:stCxn id="24" idx="2"/>
+          </p:cNvCxnSpPr>
+          <p:nvPr/>
+        </p:nvCxnSpPr>
+        <p:spPr>
+          <a:xfrm flipV="1">
+            <a:off x="7246048" y="4269267"/>
+            <a:ext cx="107252" cy="73132"/>
+          </a:xfrm>
+          <a:prstGeom prst="straightConnector1">
+            <a:avLst/>
+          </a:prstGeom>
+          <a:ln>
+            <a:solidFill>
+              <a:schemeClr val="tx1"/>
+            </a:solidFill>
+            <a:tailEnd type="triangle"/>
+          </a:ln>
+        </p:spPr>
+        <p:style>
+          <a:lnRef idx="1">
+            <a:schemeClr val="accent1"/>
+          </a:lnRef>
+          <a:fillRef idx="0">
+            <a:schemeClr val="accent1"/>
+          </a:fillRef>
+          <a:effectRef idx="0">
+            <a:schemeClr val="accent1"/>
+          </a:effectRef>
+          <a:fontRef idx="minor">
+            <a:schemeClr val="tx1"/>
+          </a:fontRef>
+        </p:style>
+      </p:cxnSp>
+      <p:cxnSp>
+        <p:nvCxnSpPr>
+          <p:cNvPr id="30" name="Connecteur droit avec flèche 29">
+            <a:extLst>
+              <a:ext uri="{FF2B5EF4-FFF2-40B4-BE49-F238E27FC236}">
+                <a16:creationId xmlns:a16="http://schemas.microsoft.com/office/drawing/2014/main" id="{C8BFB3B6-EFD5-49DE-BDE3-4F455B02C6B7}"/>
+              </a:ext>
+            </a:extLst>
+          </p:cNvPr>
+          <p:cNvCxnSpPr>
+            <a:cxnSpLocks/>
+            <a:stCxn id="23" idx="0"/>
+          </p:cNvCxnSpPr>
+          <p:nvPr/>
+        </p:nvCxnSpPr>
+        <p:spPr>
+          <a:xfrm flipH="1" flipV="1">
+            <a:off x="7757806" y="4269267"/>
+            <a:ext cx="104818" cy="59593"/>
+          </a:xfrm>
+          <a:prstGeom prst="straightConnector1">
+            <a:avLst/>
+          </a:prstGeom>
+          <a:ln>
+            <a:solidFill>
+              <a:schemeClr val="tx1"/>
+            </a:solidFill>
+            <a:tailEnd type="triangle"/>
+          </a:ln>
+        </p:spPr>
+        <p:style>
+          <a:lnRef idx="1">
+            <a:schemeClr val="accent1"/>
+          </a:lnRef>
+          <a:fillRef idx="0">
+            <a:schemeClr val="accent1"/>
+          </a:fillRef>
+          <a:effectRef idx="0">
+            <a:schemeClr val="accent1"/>
+          </a:effectRef>
+          <a:fontRef idx="minor">
+            <a:schemeClr val="tx1"/>
+          </a:fontRef>
+        </p:style>
+      </p:cxnSp>
+      <p:grpSp>
+        <p:nvGrpSpPr>
+          <p:cNvPr id="45" name="Groupe 44">
+            <a:extLst>
+              <a:ext uri="{FF2B5EF4-FFF2-40B4-BE49-F238E27FC236}">
+                <a16:creationId xmlns:a16="http://schemas.microsoft.com/office/drawing/2014/main" id="{D0FB5029-AD82-4A34-A245-B916B11F9F22}"/>
+              </a:ext>
+            </a:extLst>
+          </p:cNvPr>
+          <p:cNvGrpSpPr/>
+          <p:nvPr/>
+        </p:nvGrpSpPr>
+        <p:grpSpPr>
+          <a:xfrm>
+            <a:off x="9271620" y="5051174"/>
+            <a:ext cx="533400" cy="534846"/>
+            <a:chOff x="5829300" y="2551639"/>
+            <a:chExt cx="533400" cy="534846"/>
+          </a:xfrm>
+        </p:grpSpPr>
+        <p:cxnSp>
+          <p:nvCxnSpPr>
+            <p:cNvPr id="34" name="Connecteur droit avec flèche 33">
+              <a:extLst>
+                <a:ext uri="{FF2B5EF4-FFF2-40B4-BE49-F238E27FC236}">
+                  <a16:creationId xmlns:a16="http://schemas.microsoft.com/office/drawing/2014/main" id="{DA99381E-B3CB-4AA1-B99C-E761D64C52F1}"/>
+                </a:ext>
+              </a:extLst>
+            </p:cNvPr>
+            <p:cNvCxnSpPr>
+              <a:cxnSpLocks/>
+            </p:cNvCxnSpPr>
+            <p:nvPr/>
+          </p:nvCxnSpPr>
+          <p:spPr>
+            <a:xfrm>
+              <a:off x="5829300" y="2551639"/>
+              <a:ext cx="533400" cy="0"/>
+            </a:xfrm>
+            <a:prstGeom prst="straightConnector1">
+              <a:avLst/>
+            </a:prstGeom>
+            <a:ln>
+              <a:tailEnd type="triangle"/>
+            </a:ln>
+          </p:spPr>
+          <p:style>
+            <a:lnRef idx="1">
+              <a:schemeClr val="accent1"/>
+            </a:lnRef>
+            <a:fillRef idx="0">
+              <a:schemeClr val="accent1"/>
+            </a:fillRef>
+            <a:effectRef idx="0">
+              <a:schemeClr val="accent1"/>
+            </a:effectRef>
+            <a:fontRef idx="minor">
+              <a:schemeClr val="tx1"/>
+            </a:fontRef>
+          </p:style>
+        </p:cxnSp>
+        <p:cxnSp>
+          <p:nvCxnSpPr>
+            <p:cNvPr id="36" name="Connecteur droit avec flèche 35">
+              <a:extLst>
+                <a:ext uri="{FF2B5EF4-FFF2-40B4-BE49-F238E27FC236}">
+                  <a16:creationId xmlns:a16="http://schemas.microsoft.com/office/drawing/2014/main" id="{418978D6-34A0-4D9D-9B72-E410C3DB956E}"/>
+                </a:ext>
+              </a:extLst>
+            </p:cNvPr>
+            <p:cNvCxnSpPr>
+              <a:cxnSpLocks/>
+            </p:cNvCxnSpPr>
+            <p:nvPr/>
+          </p:nvCxnSpPr>
+          <p:spPr>
+            <a:xfrm>
+              <a:off x="5829300" y="2551639"/>
+              <a:ext cx="0" cy="534846"/>
+            </a:xfrm>
+            <a:prstGeom prst="straightConnector1">
+              <a:avLst/>
+            </a:prstGeom>
+            <a:ln>
+              <a:tailEnd type="triangle"/>
+            </a:ln>
+          </p:spPr>
+          <p:style>
+            <a:lnRef idx="1">
+              <a:schemeClr val="accent1"/>
+            </a:lnRef>
+            <a:fillRef idx="0">
+              <a:schemeClr val="accent1"/>
+            </a:fillRef>
+            <a:effectRef idx="0">
+              <a:schemeClr val="accent1"/>
+            </a:effectRef>
+            <a:fontRef idx="minor">
+              <a:schemeClr val="tx1"/>
+            </a:fontRef>
+          </p:style>
+        </p:cxnSp>
+        <p:cxnSp>
+          <p:nvCxnSpPr>
+            <p:cNvPr id="40" name="Connecteur droit avec flèche 39">
+              <a:extLst>
+                <a:ext uri="{FF2B5EF4-FFF2-40B4-BE49-F238E27FC236}">
+                  <a16:creationId xmlns:a16="http://schemas.microsoft.com/office/drawing/2014/main" id="{6885CF9C-8966-4FD8-B12C-A521989E1D45}"/>
+                </a:ext>
+              </a:extLst>
+            </p:cNvPr>
+            <p:cNvCxnSpPr>
+              <a:cxnSpLocks/>
+            </p:cNvCxnSpPr>
+            <p:nvPr/>
+          </p:nvCxnSpPr>
+          <p:spPr>
+            <a:xfrm>
+              <a:off x="5829300" y="2551639"/>
+              <a:ext cx="266700" cy="257847"/>
+            </a:xfrm>
+            <a:prstGeom prst="straightConnector1">
+              <a:avLst/>
+            </a:prstGeom>
+            <a:ln>
+              <a:tailEnd type="triangle"/>
+            </a:ln>
+          </p:spPr>
+          <p:style>
+            <a:lnRef idx="1">
+              <a:schemeClr val="accent1"/>
+            </a:lnRef>
+            <a:fillRef idx="0">
+              <a:schemeClr val="accent1"/>
+            </a:fillRef>
+            <a:effectRef idx="0">
+              <a:schemeClr val="accent1"/>
+            </a:effectRef>
+            <a:fontRef idx="minor">
+              <a:schemeClr val="tx1"/>
+            </a:fontRef>
+          </p:style>
+        </p:cxnSp>
+      </p:grpSp>
+      <p:sp>
+        <p:nvSpPr>
+          <p:cNvPr id="46" name="ZoneTexte 45">
+            <a:extLst>
+              <a:ext uri="{FF2B5EF4-FFF2-40B4-BE49-F238E27FC236}">
+                <a16:creationId xmlns:a16="http://schemas.microsoft.com/office/drawing/2014/main" id="{F88B8B42-3E93-4E77-9AAD-81847ADA8425}"/>
+              </a:ext>
+            </a:extLst>
+          </p:cNvPr>
+          <p:cNvSpPr txBox="1"/>
+          <p:nvPr/>
+        </p:nvSpPr>
+        <p:spPr>
+          <a:xfrm>
+            <a:off x="9805020" y="4866508"/>
+            <a:ext cx="1165704" cy="369332"/>
+          </a:xfrm>
+          <a:prstGeom prst="rect">
+            <a:avLst/>
+          </a:prstGeom>
+          <a:noFill/>
+        </p:spPr>
+        <p:txBody>
+          <a:bodyPr wrap="none" rtlCol="0">
+            <a:spAutoFit/>
+          </a:bodyPr>
+          <a:lstStyle/>
+          <a:p>
+            <a:r>
+              <a:rPr lang="fr-CH" dirty="0"/>
+              <a:t>L: 900 mm</a:t>
+            </a:r>
+          </a:p>
+        </p:txBody>
+      </p:sp>
+      <p:sp>
+        <p:nvSpPr>
+          <p:cNvPr id="47" name="ZoneTexte 46">
+            <a:extLst>
+              <a:ext uri="{FF2B5EF4-FFF2-40B4-BE49-F238E27FC236}">
+                <a16:creationId xmlns:a16="http://schemas.microsoft.com/office/drawing/2014/main" id="{CF034826-111B-47E5-885B-2475BBC15679}"/>
+              </a:ext>
+            </a:extLst>
+          </p:cNvPr>
+          <p:cNvSpPr txBox="1"/>
+          <p:nvPr/>
+        </p:nvSpPr>
+        <p:spPr>
+          <a:xfrm>
+            <a:off x="9445837" y="5210622"/>
+            <a:ext cx="1164101" cy="369332"/>
+          </a:xfrm>
+          <a:prstGeom prst="rect">
+            <a:avLst/>
+          </a:prstGeom>
+          <a:noFill/>
+        </p:spPr>
+        <p:txBody>
+          <a:bodyPr wrap="none" rtlCol="0">
+            <a:spAutoFit/>
+          </a:bodyPr>
+          <a:lstStyle/>
+          <a:p>
+            <a:r>
+              <a:rPr lang="fr-CH" dirty="0"/>
+              <a:t>P: 600 mm</a:t>
+            </a:r>
+          </a:p>
+        </p:txBody>
+      </p:sp>
+      <p:sp>
+        <p:nvSpPr>
+          <p:cNvPr id="48" name="ZoneTexte 47">
+            <a:extLst>
+              <a:ext uri="{FF2B5EF4-FFF2-40B4-BE49-F238E27FC236}">
+                <a16:creationId xmlns:a16="http://schemas.microsoft.com/office/drawing/2014/main" id="{3B5F36E7-392E-4D54-B542-9AD9B65C90ED}"/>
+              </a:ext>
+            </a:extLst>
+          </p:cNvPr>
+          <p:cNvSpPr txBox="1"/>
+          <p:nvPr/>
+        </p:nvSpPr>
+        <p:spPr>
+          <a:xfrm>
+            <a:off x="8804311" y="5579954"/>
+            <a:ext cx="1208985" cy="369332"/>
+          </a:xfrm>
+          <a:prstGeom prst="rect">
+            <a:avLst/>
+          </a:prstGeom>
+          <a:noFill/>
+        </p:spPr>
+        <p:txBody>
+          <a:bodyPr wrap="none" rtlCol="0">
+            <a:spAutoFit/>
+          </a:bodyPr>
+          <a:lstStyle/>
+          <a:p>
+            <a:r>
+              <a:rPr lang="fr-CH" dirty="0"/>
+              <a:t>H: 980 mm</a:t>
+            </a:r>
+          </a:p>
+        </p:txBody>
+      </p:sp>
     </p:spTree>
     <p:extLst>
       <p:ext uri="{BB962C8B-B14F-4D97-AF65-F5344CB8AC3E}">
@@ -11938,7 +11789,7 @@
 </p:sld>
 </file>
 
-<file path=ppt/slides/slide14.xml><?xml version="1.0" encoding="utf-8"?>
+<file path=ppt/slides/slide13.xml><?xml version="1.0" encoding="utf-8"?>
 <p:sld xmlns:a="http://schemas.openxmlformats.org/drawingml/2006/main" xmlns:r="http://schemas.openxmlformats.org/officeDocument/2006/relationships" xmlns:p="http://schemas.openxmlformats.org/presentationml/2006/main">
   <p:cSld>
     <p:bg>
@@ -12338,7 +12189,7 @@
           <a:p>
             <a:fld id="{E97799C9-84D9-46D2-A11E-BCF8A720529D}" type="slidenum">
               <a:rPr lang="en-US" smtClean="0"/>
-              <a:t>14</a:t>
+              <a:t>13</a:t>
             </a:fld>
             <a:endParaRPr lang="en-US" dirty="0"/>
           </a:p>
@@ -12357,7 +12208,7 @@
 </p:sld>
 </file>
 
-<file path=ppt/slides/slide15.xml><?xml version="1.0" encoding="utf-8"?>
+<file path=ppt/slides/slide14.xml><?xml version="1.0" encoding="utf-8"?>
 <p:sld xmlns:a="http://schemas.openxmlformats.org/drawingml/2006/main" xmlns:r="http://schemas.openxmlformats.org/officeDocument/2006/relationships" xmlns:p="http://schemas.openxmlformats.org/presentationml/2006/main">
   <p:cSld>
     <p:spTree>
@@ -12404,64 +12255,6 @@
       </p:sp>
       <p:sp>
         <p:nvSpPr>
-          <p:cNvPr id="3" name="Espace réservé du contenu 2">
-            <a:extLst>
-              <a:ext uri="{FF2B5EF4-FFF2-40B4-BE49-F238E27FC236}">
-                <a16:creationId xmlns:a16="http://schemas.microsoft.com/office/drawing/2014/main" id="{1F296DA6-A745-465D-89B0-74D514D68C43}"/>
-              </a:ext>
-            </a:extLst>
-          </p:cNvPr>
-          <p:cNvSpPr>
-            <a:spLocks noGrp="1"/>
-          </p:cNvSpPr>
-          <p:nvPr>
-            <p:ph idx="1"/>
-          </p:nvPr>
-        </p:nvSpPr>
-        <p:spPr/>
-        <p:txBody>
-          <a:bodyPr/>
-          <a:lstStyle/>
-          <a:p>
-            <a:r>
-              <a:rPr lang="fr-CH" dirty="0"/>
-              <a:t>Choix des capteurs + commande -&gt; fin juin</a:t>
-            </a:r>
-          </a:p>
-          <a:p>
-            <a:r>
-              <a:rPr lang="fr-CH" dirty="0" err="1"/>
-              <a:t>Back-end</a:t>
-            </a:r>
-            <a:r>
-              <a:rPr lang="fr-CH" dirty="0"/>
-              <a:t> -&gt; 2 premières semaines de juillet</a:t>
-            </a:r>
-          </a:p>
-          <a:p>
-            <a:r>
-              <a:rPr lang="fr-CH" dirty="0"/>
-              <a:t>Mise en place du banc de test (à la réception des capteurs)</a:t>
-            </a:r>
-          </a:p>
-          <a:p>
-            <a:r>
-              <a:rPr lang="fr-CH" dirty="0"/>
-              <a:t>Implémentation des logicielles -&gt; 2 dernières semaines de juillet + 1</a:t>
-            </a:r>
-            <a:r>
-              <a:rPr lang="fr-CH" baseline="30000" dirty="0"/>
-              <a:t>ère</a:t>
-            </a:r>
-            <a:r>
-              <a:rPr lang="fr-CH" dirty="0"/>
-              <a:t> d’août</a:t>
-            </a:r>
-          </a:p>
-        </p:txBody>
-      </p:sp>
-      <p:sp>
-        <p:nvSpPr>
           <p:cNvPr id="5" name="Espace réservé de la date 4">
             <a:extLst>
               <a:ext uri="{FF2B5EF4-FFF2-40B4-BE49-F238E27FC236}">
@@ -12512,12 +12305,158 @@
           <a:p>
             <a:fld id="{E97799C9-84D9-46D2-A11E-BCF8A720529D}" type="slidenum">
               <a:rPr lang="en-US" smtClean="0"/>
-              <a:t>15</a:t>
+              <a:t>14</a:t>
             </a:fld>
             <a:endParaRPr lang="en-US" dirty="0"/>
           </a:p>
         </p:txBody>
       </p:sp>
+      <p:pic>
+        <p:nvPicPr>
+          <p:cNvPr id="10" name="Image 9">
+            <a:extLst>
+              <a:ext uri="{FF2B5EF4-FFF2-40B4-BE49-F238E27FC236}">
+                <a16:creationId xmlns:a16="http://schemas.microsoft.com/office/drawing/2014/main" id="{52016783-4FE3-4156-90FA-63777DC25EE3}"/>
+              </a:ext>
+            </a:extLst>
+          </p:cNvPr>
+          <p:cNvPicPr>
+            <a:picLocks noChangeAspect="1"/>
+          </p:cNvPicPr>
+          <p:nvPr/>
+        </p:nvPicPr>
+        <p:blipFill>
+          <a:blip r:embed="rId2"/>
+          <a:stretch>
+            <a:fillRect/>
+          </a:stretch>
+        </p:blipFill>
+        <p:spPr>
+          <a:xfrm>
+            <a:off x="438150" y="2483378"/>
+            <a:ext cx="11315700" cy="2124075"/>
+          </a:xfrm>
+          <a:prstGeom prst="rect">
+            <a:avLst/>
+          </a:prstGeom>
+        </p:spPr>
+      </p:pic>
+      <p:pic>
+        <p:nvPicPr>
+          <p:cNvPr id="9" name="Image 8">
+            <a:extLst>
+              <a:ext uri="{FF2B5EF4-FFF2-40B4-BE49-F238E27FC236}">
+                <a16:creationId xmlns:a16="http://schemas.microsoft.com/office/drawing/2014/main" id="{F099C3A2-C5FB-40D3-ABF3-16E96D0F414F}"/>
+              </a:ext>
+            </a:extLst>
+          </p:cNvPr>
+          <p:cNvPicPr>
+            <a:picLocks noChangeAspect="1"/>
+          </p:cNvPicPr>
+          <p:nvPr/>
+        </p:nvPicPr>
+        <p:blipFill>
+          <a:blip r:embed="rId3"/>
+          <a:stretch>
+            <a:fillRect/>
+          </a:stretch>
+        </p:blipFill>
+        <p:spPr>
+          <a:xfrm>
+            <a:off x="200025" y="4665133"/>
+            <a:ext cx="4133393" cy="1303867"/>
+          </a:xfrm>
+          <a:prstGeom prst="rect">
+            <a:avLst/>
+          </a:prstGeom>
+        </p:spPr>
+      </p:pic>
+      <p:cxnSp>
+        <p:nvCxnSpPr>
+          <p:cNvPr id="12" name="Connecteur droit 11">
+            <a:extLst>
+              <a:ext uri="{FF2B5EF4-FFF2-40B4-BE49-F238E27FC236}">
+                <a16:creationId xmlns:a16="http://schemas.microsoft.com/office/drawing/2014/main" id="{A4871B20-32E2-46EE-8170-AB90FCB824FA}"/>
+              </a:ext>
+            </a:extLst>
+          </p:cNvPr>
+          <p:cNvCxnSpPr>
+            <a:cxnSpLocks/>
+          </p:cNvCxnSpPr>
+          <p:nvPr/>
+        </p:nvCxnSpPr>
+        <p:spPr>
+          <a:xfrm>
+            <a:off x="2981325" y="4267200"/>
+            <a:ext cx="1352093" cy="397933"/>
+          </a:xfrm>
+          <a:prstGeom prst="line">
+            <a:avLst/>
+          </a:prstGeom>
+          <a:ln>
+            <a:solidFill>
+              <a:schemeClr val="tx1"/>
+            </a:solidFill>
+          </a:ln>
+        </p:spPr>
+        <p:style>
+          <a:lnRef idx="1">
+            <a:schemeClr val="accent1"/>
+          </a:lnRef>
+          <a:fillRef idx="0">
+            <a:schemeClr val="accent1"/>
+          </a:fillRef>
+          <a:effectRef idx="0">
+            <a:schemeClr val="accent1"/>
+          </a:effectRef>
+          <a:fontRef idx="minor">
+            <a:schemeClr val="tx1"/>
+          </a:fontRef>
+        </p:style>
+      </p:cxnSp>
+      <p:cxnSp>
+        <p:nvCxnSpPr>
+          <p:cNvPr id="15" name="Connecteur droit 14">
+            <a:extLst>
+              <a:ext uri="{FF2B5EF4-FFF2-40B4-BE49-F238E27FC236}">
+                <a16:creationId xmlns:a16="http://schemas.microsoft.com/office/drawing/2014/main" id="{84A90091-437C-4BAB-89A9-63A855614AF8}"/>
+              </a:ext>
+            </a:extLst>
+          </p:cNvPr>
+          <p:cNvCxnSpPr>
+            <a:cxnSpLocks/>
+          </p:cNvCxnSpPr>
+          <p:nvPr/>
+        </p:nvCxnSpPr>
+        <p:spPr>
+          <a:xfrm flipH="1">
+            <a:off x="200025" y="4267200"/>
+            <a:ext cx="238125" cy="397933"/>
+          </a:xfrm>
+          <a:prstGeom prst="line">
+            <a:avLst/>
+          </a:prstGeom>
+          <a:ln>
+            <a:solidFill>
+              <a:schemeClr val="tx1"/>
+            </a:solidFill>
+          </a:ln>
+        </p:spPr>
+        <p:style>
+          <a:lnRef idx="1">
+            <a:schemeClr val="accent1"/>
+          </a:lnRef>
+          <a:fillRef idx="0">
+            <a:schemeClr val="accent1"/>
+          </a:fillRef>
+          <a:effectRef idx="0">
+            <a:schemeClr val="accent1"/>
+          </a:effectRef>
+          <a:fontRef idx="minor">
+            <a:schemeClr val="tx1"/>
+          </a:fontRef>
+        </p:style>
+      </p:cxnSp>
     </p:spTree>
     <p:extLst>
       <p:ext uri="{BB962C8B-B14F-4D97-AF65-F5344CB8AC3E}">
@@ -12531,7 +12470,7 @@
 </p:sld>
 </file>
 
-<file path=ppt/slides/slide16.xml><?xml version="1.0" encoding="utf-8"?>
+<file path=ppt/slides/slide15.xml><?xml version="1.0" encoding="utf-8"?>
 <p:sld xmlns:a="http://schemas.openxmlformats.org/drawingml/2006/main" xmlns:r="http://schemas.openxmlformats.org/officeDocument/2006/relationships" xmlns:p="http://schemas.openxmlformats.org/presentationml/2006/main">
   <p:cSld>
     <p:bg>
@@ -13517,7 +13456,7 @@
           <a:p>
             <a:fld id="{E97799C9-84D9-46D2-A11E-BCF8A720529D}" type="slidenum">
               <a:rPr lang="en-US" smtClean="0"/>
-              <a:t>16</a:t>
+              <a:t>15</a:t>
             </a:fld>
             <a:endParaRPr lang="en-US" dirty="0"/>
           </a:p>
@@ -13869,7 +13808,7 @@
         <p:spPr>
           <a:xfrm>
             <a:off x="9616199" y="1045060"/>
-            <a:ext cx="737702" cy="369332"/>
+            <a:ext cx="842090" cy="369332"/>
           </a:xfrm>
           <a:prstGeom prst="rect">
             <a:avLst/>
@@ -13883,10 +13822,9 @@
           <a:lstStyle/>
           <a:p>
             <a:r>
-              <a:rPr lang="fr-CH" dirty="0" err="1"/>
-              <a:t>Dresh</a:t>
-            </a:r>
-            <a:endParaRPr lang="fr-CH" dirty="0"/>
+              <a:rPr lang="fr-CH" dirty="0"/>
+              <a:t>Drêche</a:t>
+            </a:r>
           </a:p>
         </p:txBody>
       </p:sp>
@@ -15229,7 +15167,7 @@
           <a:p>
             <a:r>
               <a:rPr lang="fr-CH" dirty="0"/>
-              <a:t>Température: 20°C – 25°C</a:t>
+              <a:t>Température: 24°C – 27°C</a:t>
             </a:r>
           </a:p>
         </p:txBody>
@@ -15388,7 +15326,7 @@
           <a:p>
             <a:r>
               <a:rPr lang="fr-CH" dirty="0"/>
-              <a:t>Création d’un Dashboard web</a:t>
+              <a:t>Création d’un Dashboard web basé Javascript</a:t>
             </a:r>
           </a:p>
         </p:txBody>
@@ -15411,7 +15349,7 @@
         </p:nvSpPr>
         <p:spPr>
           <a:xfrm>
-            <a:off x="6180670" y="2886605"/>
+            <a:off x="6178294" y="2658533"/>
             <a:ext cx="4718304" cy="506828"/>
           </a:xfrm>
         </p:spPr>
@@ -15570,13 +15508,20 @@
             <p:ph type="title"/>
           </p:nvPr>
         </p:nvSpPr>
-        <p:spPr/>
-        <p:txBody>
-          <a:bodyPr/>
-          <a:lstStyle/>
-          <a:p>
-            <a:r>
-              <a:rPr lang="fr-CH" dirty="0"/>
+        <p:spPr>
+          <a:xfrm>
+            <a:off x="1293810" y="1302808"/>
+            <a:ext cx="3718455" cy="659341"/>
+          </a:xfrm>
+        </p:spPr>
+        <p:txBody>
+          <a:bodyPr>
+            <a:noAutofit/>
+          </a:bodyPr>
+          <a:lstStyle/>
+          <a:p>
+            <a:r>
+              <a:rPr lang="fr-CH" sz="4000" dirty="0"/>
               <a:t>Dashboard web</a:t>
             </a:r>
           </a:p>
@@ -15598,9 +15543,16 @@
             <p:ph idx="1"/>
           </p:nvPr>
         </p:nvSpPr>
-        <p:spPr/>
-        <p:txBody>
-          <a:bodyPr/>
+        <p:spPr>
+          <a:xfrm>
+            <a:off x="5942768" y="1632478"/>
+            <a:ext cx="5469466" cy="4752976"/>
+          </a:xfrm>
+        </p:spPr>
+        <p:txBody>
+          <a:bodyPr>
+            <a:normAutofit/>
+          </a:bodyPr>
           <a:lstStyle/>
           <a:p>
             <a:r>
@@ -15773,8 +15725,8 @@
         </p:blipFill>
         <p:spPr>
           <a:xfrm>
-            <a:off x="1030582" y="3098800"/>
-            <a:ext cx="4244912" cy="1998134"/>
+            <a:off x="1030581" y="2360553"/>
+            <a:ext cx="4244912" cy="2297171"/>
           </a:xfrm>
           <a:prstGeom prst="rect">
             <a:avLst/>
@@ -15795,7 +15747,7 @@
         </p:nvSpPr>
         <p:spPr>
           <a:xfrm>
-            <a:off x="1890513" y="5204768"/>
+            <a:off x="1890512" y="4825296"/>
             <a:ext cx="2525050" cy="230832"/>
           </a:xfrm>
           <a:prstGeom prst="rect">
@@ -15869,7 +15821,7 @@
           <a:p>
             <a:r>
               <a:rPr lang="fr-CH" dirty="0"/>
-              <a:t>Dashboard - web</a:t>
+              <a:t>Dashboard web</a:t>
             </a:r>
           </a:p>
         </p:txBody>
@@ -16033,8 +15985,8 @@
         </p:nvSpPr>
         <p:spPr>
           <a:xfrm>
-            <a:off x="6178296" y="3979207"/>
-            <a:ext cx="2175596" cy="338554"/>
+            <a:off x="6682441" y="3952690"/>
+            <a:ext cx="1670650" cy="276999"/>
           </a:xfrm>
           <a:prstGeom prst="rect">
             <a:avLst/>
@@ -16048,13 +16000,13 @@
           <a:lstStyle/>
           <a:p>
             <a:r>
-              <a:rPr lang="fr-CH" sz="800" dirty="0"/>
+              <a:rPr lang="fr-CH" sz="600" dirty="0"/>
               <a:t>https://vuejs.org/images/logo.png?_sw-precache</a:t>
             </a:r>
           </a:p>
           <a:p>
             <a:r>
-              <a:rPr lang="fr-CH" sz="800" dirty="0"/>
+              <a:rPr lang="fr-CH" sz="600" dirty="0"/>
               <a:t>=cf23526f451784ff137f161b8fe18d5a</a:t>
             </a:r>
           </a:p>
@@ -16106,6 +16058,423 @@
           </a:p>
         </p:txBody>
       </p:sp>
+      <p:sp>
+        <p:nvSpPr>
+          <p:cNvPr id="31" name="ZoneTexte 30">
+            <a:extLst>
+              <a:ext uri="{FF2B5EF4-FFF2-40B4-BE49-F238E27FC236}">
+                <a16:creationId xmlns:a16="http://schemas.microsoft.com/office/drawing/2014/main" id="{D8FAB87C-C7B7-4A30-A8F6-E04ECBF7AE0B}"/>
+              </a:ext>
+            </a:extLst>
+          </p:cNvPr>
+          <p:cNvSpPr txBox="1"/>
+          <p:nvPr/>
+        </p:nvSpPr>
+        <p:spPr>
+          <a:xfrm>
+            <a:off x="8839200" y="3102044"/>
+            <a:ext cx="2568204" cy="1754326"/>
+          </a:xfrm>
+          <a:prstGeom prst="rect">
+            <a:avLst/>
+          </a:prstGeom>
+          <a:noFill/>
+        </p:spPr>
+        <p:txBody>
+          <a:bodyPr wrap="none" rtlCol="0">
+            <a:spAutoFit/>
+          </a:bodyPr>
+          <a:lstStyle/>
+          <a:p>
+            <a:pPr marL="285750" indent="-285750">
+              <a:buFont typeface="Arial" panose="020B0604020202020204" pitchFamily="34" charset="0"/>
+              <a:buChar char="•"/>
+            </a:pPr>
+            <a:r>
+              <a:rPr lang="fr-CH" dirty="0"/>
+              <a:t>Accessible</a:t>
+            </a:r>
+          </a:p>
+          <a:p>
+            <a:pPr marL="285750" indent="-285750">
+              <a:buFont typeface="Arial" panose="020B0604020202020204" pitchFamily="34" charset="0"/>
+              <a:buChar char="•"/>
+            </a:pPr>
+            <a:r>
+              <a:rPr lang="fr-CH" dirty="0"/>
+              <a:t>HTML/CSS/Javascript</a:t>
+            </a:r>
+          </a:p>
+          <a:p>
+            <a:pPr marL="285750" indent="-285750">
+              <a:buFont typeface="Arial" panose="020B0604020202020204" pitchFamily="34" charset="0"/>
+              <a:buChar char="•"/>
+            </a:pPr>
+            <a:r>
+              <a:rPr lang="fr-CH" dirty="0"/>
+              <a:t>Adaptable</a:t>
+            </a:r>
+          </a:p>
+          <a:p>
+            <a:pPr marL="285750" indent="-285750">
+              <a:buFont typeface="Arial" panose="020B0604020202020204" pitchFamily="34" charset="0"/>
+              <a:buChar char="•"/>
+            </a:pPr>
+            <a:r>
+              <a:rPr lang="fr-CH" dirty="0"/>
+              <a:t>Structure</a:t>
+            </a:r>
+          </a:p>
+          <a:p>
+            <a:pPr marL="285750" indent="-285750">
+              <a:buFont typeface="Arial" panose="020B0604020202020204" pitchFamily="34" charset="0"/>
+              <a:buChar char="•"/>
+            </a:pPr>
+            <a:endParaRPr lang="fr-CH" dirty="0"/>
+          </a:p>
+          <a:p>
+            <a:pPr marL="285750" indent="-285750">
+              <a:buFont typeface="Arial" panose="020B0604020202020204" pitchFamily="34" charset="0"/>
+              <a:buChar char="•"/>
+            </a:pPr>
+            <a:endParaRPr lang="fr-CH" dirty="0"/>
+          </a:p>
+        </p:txBody>
+      </p:sp>
+      <p:sp>
+        <p:nvSpPr>
+          <p:cNvPr id="33" name="ZoneTexte 32">
+            <a:extLst>
+              <a:ext uri="{FF2B5EF4-FFF2-40B4-BE49-F238E27FC236}">
+                <a16:creationId xmlns:a16="http://schemas.microsoft.com/office/drawing/2014/main" id="{0B9F6EF4-DFC3-474C-A958-3022E3072185}"/>
+              </a:ext>
+            </a:extLst>
+          </p:cNvPr>
+          <p:cNvSpPr txBox="1"/>
+          <p:nvPr/>
+        </p:nvSpPr>
+        <p:spPr>
+          <a:xfrm>
+            <a:off x="8839200" y="4631372"/>
+            <a:ext cx="2568204" cy="1477328"/>
+          </a:xfrm>
+          <a:prstGeom prst="rect">
+            <a:avLst/>
+          </a:prstGeom>
+          <a:noFill/>
+        </p:spPr>
+        <p:txBody>
+          <a:bodyPr wrap="none" rtlCol="0">
+            <a:spAutoFit/>
+          </a:bodyPr>
+          <a:lstStyle/>
+          <a:p>
+            <a:pPr marL="285750" indent="-285750">
+              <a:buFont typeface="Arial" panose="020B0604020202020204" pitchFamily="34" charset="0"/>
+              <a:buChar char="•"/>
+            </a:pPr>
+            <a:r>
+              <a:rPr lang="fr-CH" dirty="0"/>
+              <a:t>Application web</a:t>
+            </a:r>
+          </a:p>
+          <a:p>
+            <a:pPr marL="285750" indent="-285750">
+              <a:buFont typeface="Arial" panose="020B0604020202020204" pitchFamily="34" charset="0"/>
+              <a:buChar char="•"/>
+            </a:pPr>
+            <a:r>
+              <a:rPr lang="fr-CH" dirty="0"/>
+              <a:t>HTML/CSS/Javascript</a:t>
+            </a:r>
+          </a:p>
+          <a:p>
+            <a:pPr marL="285750" indent="-285750">
+              <a:buFont typeface="Arial" panose="020B0604020202020204" pitchFamily="34" charset="0"/>
+              <a:buChar char="•"/>
+            </a:pPr>
+            <a:r>
+              <a:rPr lang="fr-CH" dirty="0"/>
+              <a:t>Réactif</a:t>
+            </a:r>
+          </a:p>
+          <a:p>
+            <a:pPr marL="285750" indent="-285750">
+              <a:buFont typeface="Arial" panose="020B0604020202020204" pitchFamily="34" charset="0"/>
+              <a:buChar char="•"/>
+            </a:pPr>
+            <a:r>
+              <a:rPr lang="fr-CH" dirty="0"/>
+              <a:t>Grande bibliothèque</a:t>
+            </a:r>
+          </a:p>
+          <a:p>
+            <a:pPr marL="285750" indent="-285750">
+              <a:buFont typeface="Arial" panose="020B0604020202020204" pitchFamily="34" charset="0"/>
+              <a:buChar char="•"/>
+            </a:pPr>
+            <a:endParaRPr lang="fr-CH" dirty="0"/>
+          </a:p>
+        </p:txBody>
+      </p:sp>
+      <p:pic>
+        <p:nvPicPr>
+          <p:cNvPr id="1026" name="Picture 2" descr="Bootstrap (framework) — Wikipédia">
+            <a:extLst>
+              <a:ext uri="{FF2B5EF4-FFF2-40B4-BE49-F238E27FC236}">
+                <a16:creationId xmlns:a16="http://schemas.microsoft.com/office/drawing/2014/main" id="{0723DA10-0B39-4B19-8E9A-F39DD8158E6B}"/>
+              </a:ext>
+            </a:extLst>
+          </p:cNvPr>
+          <p:cNvPicPr>
+            <a:picLocks noChangeAspect="1" noChangeArrowheads="1"/>
+          </p:cNvPicPr>
+          <p:nvPr/>
+        </p:nvPicPr>
+        <p:blipFill>
+          <a:blip r:embed="rId3">
+            <a:extLst>
+              <a:ext uri="{28A0092B-C50C-407E-A947-70E740481C1C}">
+                <a14:useLocalDpi xmlns:a14="http://schemas.microsoft.com/office/drawing/2010/main" val="0"/>
+              </a:ext>
+            </a:extLst>
+          </a:blip>
+          <a:srcRect/>
+          <a:stretch>
+            <a:fillRect/>
+          </a:stretch>
+        </p:blipFill>
+        <p:spPr bwMode="auto">
+          <a:xfrm>
+            <a:off x="6879008" y="4530247"/>
+            <a:ext cx="774171" cy="774171"/>
+          </a:xfrm>
+          <a:prstGeom prst="rect">
+            <a:avLst/>
+          </a:prstGeom>
+          <a:noFill/>
+          <a:extLst>
+            <a:ext uri="{909E8E84-426E-40DD-AFC4-6F175D3DCCD1}">
+              <a14:hiddenFill xmlns:a14="http://schemas.microsoft.com/office/drawing/2010/main">
+                <a:solidFill>
+                  <a:srgbClr val="FFFFFF"/>
+                </a:solidFill>
+              </a14:hiddenFill>
+            </a:ext>
+          </a:extLst>
+        </p:spPr>
+      </p:pic>
+      <p:sp>
+        <p:nvSpPr>
+          <p:cNvPr id="35" name="Rectangle 34">
+            <a:extLst>
+              <a:ext uri="{FF2B5EF4-FFF2-40B4-BE49-F238E27FC236}">
+                <a16:creationId xmlns:a16="http://schemas.microsoft.com/office/drawing/2014/main" id="{FC8038DF-58F4-4DB3-993E-F235F696E706}"/>
+              </a:ext>
+            </a:extLst>
+          </p:cNvPr>
+          <p:cNvSpPr/>
+          <p:nvPr/>
+        </p:nvSpPr>
+        <p:spPr>
+          <a:xfrm>
+            <a:off x="6386670" y="5312936"/>
+            <a:ext cx="1758845" cy="369332"/>
+          </a:xfrm>
+          <a:prstGeom prst="rect">
+            <a:avLst/>
+          </a:prstGeom>
+        </p:spPr>
+        <p:txBody>
+          <a:bodyPr wrap="square">
+            <a:spAutoFit/>
+          </a:bodyPr>
+          <a:lstStyle/>
+          <a:p>
+            <a:r>
+              <a:rPr lang="fr-CH" sz="600" dirty="0"/>
+              <a:t>https://upload.wikimedia.org/wikipedia/commons/</a:t>
+            </a:r>
+          </a:p>
+          <a:p>
+            <a:r>
+              <a:rPr lang="fr-CH" sz="600" dirty="0" err="1"/>
+              <a:t>thumb</a:t>
+            </a:r>
+            <a:r>
+              <a:rPr lang="fr-CH" sz="600" dirty="0"/>
+              <a:t>/b/b2/</a:t>
+            </a:r>
+            <a:r>
+              <a:rPr lang="fr-CH" sz="600" dirty="0" err="1"/>
+              <a:t>Bootstrap_logo.svg</a:t>
+            </a:r>
+            <a:r>
+              <a:rPr lang="fr-CH" sz="600" dirty="0"/>
+              <a:t>/</a:t>
+            </a:r>
+          </a:p>
+          <a:p>
+            <a:r>
+              <a:rPr lang="fr-CH" sz="600" dirty="0"/>
+              <a:t>langfr-220px-Bootstrap_logo.svg.png</a:t>
+            </a:r>
+          </a:p>
+        </p:txBody>
+      </p:sp>
+      <p:pic>
+        <p:nvPicPr>
+          <p:cNvPr id="37" name="Image 36" descr="Une image contenant texte, signe&#10;&#10;Description générée automatiquement">
+            <a:extLst>
+              <a:ext uri="{FF2B5EF4-FFF2-40B4-BE49-F238E27FC236}">
+                <a16:creationId xmlns:a16="http://schemas.microsoft.com/office/drawing/2014/main" id="{34FDCCA0-3F77-4F75-9600-6F8FF45033CD}"/>
+              </a:ext>
+            </a:extLst>
+          </p:cNvPr>
+          <p:cNvPicPr>
+            <a:picLocks noChangeAspect="1"/>
+          </p:cNvPicPr>
+          <p:nvPr/>
+        </p:nvPicPr>
+        <p:blipFill>
+          <a:blip r:embed="rId4"/>
+          <a:stretch>
+            <a:fillRect/>
+          </a:stretch>
+        </p:blipFill>
+        <p:spPr>
+          <a:xfrm>
+            <a:off x="4992275" y="3982143"/>
+            <a:ext cx="930487" cy="930487"/>
+          </a:xfrm>
+          <a:prstGeom prst="rect">
+            <a:avLst/>
+          </a:prstGeom>
+        </p:spPr>
+      </p:pic>
+      <p:sp>
+        <p:nvSpPr>
+          <p:cNvPr id="38" name="Rectangle 37">
+            <a:extLst>
+              <a:ext uri="{FF2B5EF4-FFF2-40B4-BE49-F238E27FC236}">
+                <a16:creationId xmlns:a16="http://schemas.microsoft.com/office/drawing/2014/main" id="{A4919AA9-7B43-4ACE-974E-82E9EC9E35F7}"/>
+              </a:ext>
+            </a:extLst>
+          </p:cNvPr>
+          <p:cNvSpPr/>
+          <p:nvPr/>
+        </p:nvSpPr>
+        <p:spPr>
+          <a:xfrm>
+            <a:off x="4747049" y="4930300"/>
+            <a:ext cx="1420937" cy="276999"/>
+          </a:xfrm>
+          <a:prstGeom prst="rect">
+            <a:avLst/>
+          </a:prstGeom>
+        </p:spPr>
+        <p:txBody>
+          <a:bodyPr wrap="square">
+            <a:spAutoFit/>
+          </a:bodyPr>
+          <a:lstStyle/>
+          <a:p>
+            <a:r>
+              <a:rPr lang="fr-CH" sz="600" dirty="0"/>
+              <a:t>https://avatars0.githubusercontent.com/</a:t>
+            </a:r>
+          </a:p>
+          <a:p>
+            <a:r>
+              <a:rPr lang="fr-CH" sz="600" dirty="0"/>
+              <a:t>u/22965283?s=280&amp;v=4</a:t>
+            </a:r>
+          </a:p>
+        </p:txBody>
+      </p:sp>
+      <p:cxnSp>
+        <p:nvCxnSpPr>
+          <p:cNvPr id="40" name="Connecteur droit avec flèche 39">
+            <a:extLst>
+              <a:ext uri="{FF2B5EF4-FFF2-40B4-BE49-F238E27FC236}">
+                <a16:creationId xmlns:a16="http://schemas.microsoft.com/office/drawing/2014/main" id="{EA33CD92-28DD-4AE2-8CCA-DBA815854C0F}"/>
+              </a:ext>
+            </a:extLst>
+          </p:cNvPr>
+          <p:cNvCxnSpPr>
+            <a:cxnSpLocks/>
+            <a:endCxn id="19" idx="1"/>
+          </p:cNvCxnSpPr>
+          <p:nvPr/>
+        </p:nvCxnSpPr>
+        <p:spPr>
+          <a:xfrm flipV="1">
+            <a:off x="6101503" y="3653101"/>
+            <a:ext cx="838485" cy="710125"/>
+          </a:xfrm>
+          <a:prstGeom prst="straightConnector1">
+            <a:avLst/>
+          </a:prstGeom>
+          <a:ln>
+            <a:tailEnd type="triangle"/>
+          </a:ln>
+        </p:spPr>
+        <p:style>
+          <a:lnRef idx="1">
+            <a:schemeClr val="accent1"/>
+          </a:lnRef>
+          <a:fillRef idx="0">
+            <a:schemeClr val="accent1"/>
+          </a:fillRef>
+          <a:effectRef idx="0">
+            <a:schemeClr val="accent1"/>
+          </a:effectRef>
+          <a:fontRef idx="minor">
+            <a:schemeClr val="tx1"/>
+          </a:fontRef>
+        </p:style>
+      </p:cxnSp>
+      <p:cxnSp>
+        <p:nvCxnSpPr>
+          <p:cNvPr id="42" name="Connecteur droit avec flèche 41">
+            <a:extLst>
+              <a:ext uri="{FF2B5EF4-FFF2-40B4-BE49-F238E27FC236}">
+                <a16:creationId xmlns:a16="http://schemas.microsoft.com/office/drawing/2014/main" id="{25C1DE53-EAF3-43A1-A8A1-4331AAF12526}"/>
+              </a:ext>
+            </a:extLst>
+          </p:cNvPr>
+          <p:cNvCxnSpPr>
+            <a:cxnSpLocks/>
+          </p:cNvCxnSpPr>
+          <p:nvPr/>
+        </p:nvCxnSpPr>
+        <p:spPr>
+          <a:xfrm>
+            <a:off x="6096000" y="4363226"/>
+            <a:ext cx="486109" cy="665215"/>
+          </a:xfrm>
+          <a:prstGeom prst="straightConnector1">
+            <a:avLst/>
+          </a:prstGeom>
+          <a:ln>
+            <a:tailEnd type="triangle"/>
+          </a:ln>
+        </p:spPr>
+        <p:style>
+          <a:lnRef idx="1">
+            <a:schemeClr val="accent1"/>
+          </a:lnRef>
+          <a:fillRef idx="0">
+            <a:schemeClr val="accent1"/>
+          </a:fillRef>
+          <a:effectRef idx="0">
+            <a:schemeClr val="accent1"/>
+          </a:effectRef>
+          <a:fontRef idx="minor">
+            <a:schemeClr val="tx1"/>
+          </a:fontRef>
+        </p:style>
+      </p:cxnSp>
     </p:spTree>
     <p:extLst>
       <p:ext uri="{BB962C8B-B14F-4D97-AF65-F5344CB8AC3E}">
@@ -16961,10 +17330,9 @@
           <a:lstStyle/>
           <a:p>
             <a:r>
-              <a:rPr lang="fr-CH" dirty="0" err="1"/>
-              <a:t>Back-end</a:t>
-            </a:r>
-            <a:endParaRPr lang="fr-CH" dirty="0"/>
+              <a:rPr lang="fr-CH" dirty="0"/>
+              <a:t>Backend</a:t>
+            </a:r>
           </a:p>
           <a:p>
             <a:pPr lvl="1"/>
@@ -17047,6 +17415,106 @@
           </a:p>
         </p:txBody>
       </p:sp>
+      <p:pic>
+        <p:nvPicPr>
+          <p:cNvPr id="8" name="Image 7" descr="Une image contenant capture d’écran, dessin&#10;&#10;Description générée automatiquement">
+            <a:extLst>
+              <a:ext uri="{FF2B5EF4-FFF2-40B4-BE49-F238E27FC236}">
+                <a16:creationId xmlns:a16="http://schemas.microsoft.com/office/drawing/2014/main" id="{1AA76FB2-D3E4-4F2C-9239-1617F1660D4F}"/>
+              </a:ext>
+            </a:extLst>
+          </p:cNvPr>
+          <p:cNvPicPr>
+            <a:picLocks noChangeAspect="1"/>
+          </p:cNvPicPr>
+          <p:nvPr/>
+        </p:nvPicPr>
+        <p:blipFill>
+          <a:blip r:embed="rId2"/>
+          <a:stretch>
+            <a:fillRect/>
+          </a:stretch>
+        </p:blipFill>
+        <p:spPr>
+          <a:xfrm>
+            <a:off x="6562725" y="2733004"/>
+            <a:ext cx="3076575" cy="1610395"/>
+          </a:xfrm>
+          <a:prstGeom prst="rect">
+            <a:avLst/>
+          </a:prstGeom>
+        </p:spPr>
+      </p:pic>
+      <p:sp>
+        <p:nvSpPr>
+          <p:cNvPr id="10" name="Rectangle 9">
+            <a:extLst>
+              <a:ext uri="{FF2B5EF4-FFF2-40B4-BE49-F238E27FC236}">
+                <a16:creationId xmlns:a16="http://schemas.microsoft.com/office/drawing/2014/main" id="{1930B4E6-71EA-4E89-A1EC-FBAFAC4B5329}"/>
+              </a:ext>
+            </a:extLst>
+          </p:cNvPr>
+          <p:cNvSpPr/>
+          <p:nvPr/>
+        </p:nvSpPr>
+        <p:spPr>
+          <a:xfrm>
+            <a:off x="6419850" y="4406294"/>
+            <a:ext cx="3371850" cy="215444"/>
+          </a:xfrm>
+          <a:prstGeom prst="rect">
+            <a:avLst/>
+          </a:prstGeom>
+        </p:spPr>
+        <p:txBody>
+          <a:bodyPr wrap="square">
+            <a:spAutoFit/>
+          </a:bodyPr>
+          <a:lstStyle/>
+          <a:p>
+            <a:r>
+              <a:rPr lang="fr-CH" sz="800" dirty="0"/>
+              <a:t>http://e-mag.xxe.fr/wp-content/uploads/2019/05/0th2x89zHuZmHGsLJ.png</a:t>
+            </a:r>
+          </a:p>
+        </p:txBody>
+      </p:sp>
+      <p:pic>
+        <p:nvPicPr>
+          <p:cNvPr id="12" name="Graphique 11" descr="Coche">
+            <a:extLst>
+              <a:ext uri="{FF2B5EF4-FFF2-40B4-BE49-F238E27FC236}">
+                <a16:creationId xmlns:a16="http://schemas.microsoft.com/office/drawing/2014/main" id="{BC5BF1CD-FD4E-47B4-AB2B-0184913197B7}"/>
+              </a:ext>
+            </a:extLst>
+          </p:cNvPr>
+          <p:cNvPicPr>
+            <a:picLocks noChangeAspect="1"/>
+          </p:cNvPicPr>
+          <p:nvPr/>
+        </p:nvPicPr>
+        <p:blipFill>
+          <a:blip r:embed="rId3">
+            <a:extLst>
+              <a:ext uri="{96DAC541-7B7A-43D3-8B79-37D633B846F1}">
+                <asvg:svgBlip xmlns:asvg="http://schemas.microsoft.com/office/drawing/2016/SVG/main" r:embed="rId4"/>
+              </a:ext>
+            </a:extLst>
+          </a:blip>
+          <a:stretch>
+            <a:fillRect/>
+          </a:stretch>
+        </p:blipFill>
+        <p:spPr>
+          <a:xfrm>
+            <a:off x="6896100" y="2870653"/>
+            <a:ext cx="914400" cy="914400"/>
+          </a:xfrm>
+          <a:prstGeom prst="rect">
+            <a:avLst/>
+          </a:prstGeom>
+        </p:spPr>
+      </p:pic>
     </p:spTree>
     <p:extLst>
       <p:ext uri="{BB962C8B-B14F-4D97-AF65-F5344CB8AC3E}">
@@ -17830,16 +18298,16 @@
 <file path=customXml/itemProps3.xml><?xml version="1.0" encoding="utf-8"?>
 <ds:datastoreItem xmlns:ds="http://schemas.openxmlformats.org/officeDocument/2006/customXml" ds:itemID="{2EBCD739-58EE-4DB4-A8B3-EAD2FF16DA40}">
   <ds:schemaRefs>
+    <ds:schemaRef ds:uri="89a63e98-e8ce-45f9-9d29-25742e7cbc6b"/>
+    <ds:schemaRef ds:uri="http://schemas.microsoft.com/office/infopath/2007/PartnerControls"/>
+    <ds:schemaRef ds:uri="http://purl.org/dc/dcmitype/"/>
+    <ds:schemaRef ds:uri="http://purl.org/dc/terms/"/>
+    <ds:schemaRef ds:uri="http://schemas.openxmlformats.org/package/2006/metadata/core-properties"/>
     <ds:schemaRef ds:uri="http://www.w3.org/XML/1998/namespace"/>
     <ds:schemaRef ds:uri="http://schemas.microsoft.com/office/2006/metadata/properties"/>
-    <ds:schemaRef ds:uri="http://purl.org/dc/dcmitype/"/>
-    <ds:schemaRef ds:uri="http://schemas.microsoft.com/office/infopath/2007/PartnerControls"/>
-    <ds:schemaRef ds:uri="http://purl.org/dc/terms/"/>
     <ds:schemaRef ds:uri="http://schemas.microsoft.com/office/2006/documentManagement/types"/>
+    <ds:schemaRef ds:uri="0e774114-3f19-4d54-a43d-75b101d540de"/>
     <ds:schemaRef ds:uri="http://purl.org/dc/elements/1.1/"/>
-    <ds:schemaRef ds:uri="http://schemas.openxmlformats.org/package/2006/metadata/core-properties"/>
-    <ds:schemaRef ds:uri="0e774114-3f19-4d54-a43d-75b101d540de"/>
-    <ds:schemaRef ds:uri="89a63e98-e8ce-45f9-9d29-25742e7cbc6b"/>
   </ds:schemaRefs>
 </ds:datastoreItem>
 </file>